--- a/5_Donem_Ders_Notlari/AA/DersNotu/2_Hafta-Algoritma-Analizi-_Yinelemelerin-Analizi (2).pptx
+++ b/5_Donem_Ders_Notlari/AA/DersNotu/2_Hafta-Algoritma-Analizi-_Yinelemelerin-Analizi (2).pptx
@@ -5,7 +5,7 @@
     <p:sldMasterId id="2147483648" r:id="rId1"/>
   </p:sldMasterIdLst>
   <p:notesMasterIdLst>
-    <p:notesMasterId r:id="rId16"/>
+    <p:notesMasterId r:id="rId11"/>
   </p:notesMasterIdLst>
   <p:sldIdLst>
     <p:sldId id="256" r:id="rId2"/>
@@ -17,11 +17,6 @@
     <p:sldId id="291" r:id="rId8"/>
     <p:sldId id="292" r:id="rId9"/>
     <p:sldId id="306" r:id="rId10"/>
-    <p:sldId id="308" r:id="rId11"/>
-    <p:sldId id="313" r:id="rId12"/>
-    <p:sldId id="314" r:id="rId13"/>
-    <p:sldId id="334" r:id="rId14"/>
-    <p:sldId id="339" r:id="rId15"/>
   </p:sldIdLst>
   <p:sldSz cx="9144000" cy="6858000" type="screen4x3"/>
   <p:notesSz cx="9144000" cy="6858000"/>
@@ -221,7 +216,7 @@
           <a:p>
             <a:fld id="{3DDB3497-CFFF-41BC-AFCC-DBFC96EF708C}" type="datetimeFigureOut">
               <a:rPr lang="tr-TR" smtClean="0"/>
-              <a:t>19.11.2024</a:t>
+              <a:t>14.01.2025</a:t>
             </a:fld>
             <a:endParaRPr lang="tr-TR"/>
           </a:p>
@@ -572,174 +567,6 @@
 </p:notes>
 </file>
 
-<file path=ppt/notesSlides/notesSlide10.xml><?xml version="1.0" encoding="utf-8"?>
-<p:notes xmlns:a="http://schemas.openxmlformats.org/drawingml/2006/main" xmlns:r="http://schemas.openxmlformats.org/officeDocument/2006/relationships" xmlns:p="http://schemas.openxmlformats.org/presentationml/2006/main">
-  <p:cSld>
-    <p:spTree>
-      <p:nvGrpSpPr>
-        <p:cNvPr id="1" name=""/>
-        <p:cNvGrpSpPr/>
-        <p:nvPr/>
-      </p:nvGrpSpPr>
-      <p:grpSpPr>
-        <a:xfrm>
-          <a:off x="0" y="0"/>
-          <a:ext cx="0" cy="0"/>
-          <a:chOff x="0" y="0"/>
-          <a:chExt cx="0" cy="0"/>
-        </a:xfrm>
-      </p:grpSpPr>
-      <p:sp>
-        <p:nvSpPr>
-          <p:cNvPr id="2" name="Slayt Görüntüsü Yer Tutucusu 1"/>
-          <p:cNvSpPr>
-            <a:spLocks noGrp="1" noRot="1" noChangeAspect="1"/>
-          </p:cNvSpPr>
-          <p:nvPr>
-            <p:ph type="sldImg"/>
-          </p:nvPr>
-        </p:nvSpPr>
-        <p:spPr/>
-      </p:sp>
-      <p:sp>
-        <p:nvSpPr>
-          <p:cNvPr id="3" name="Not Yer Tutucusu 2"/>
-          <p:cNvSpPr>
-            <a:spLocks noGrp="1"/>
-          </p:cNvSpPr>
-          <p:nvPr>
-            <p:ph type="body" idx="1"/>
-          </p:nvPr>
-        </p:nvSpPr>
-        <p:spPr/>
-        <p:txBody>
-          <a:bodyPr/>
-          <a:lstStyle/>
-          <a:p>
-            <a:endParaRPr lang="tr-TR" dirty="0"/>
-          </a:p>
-        </p:txBody>
-      </p:sp>
-      <p:sp>
-        <p:nvSpPr>
-          <p:cNvPr id="4" name="Slayt Numarası Yer Tutucusu 3"/>
-          <p:cNvSpPr>
-            <a:spLocks noGrp="1"/>
-          </p:cNvSpPr>
-          <p:nvPr>
-            <p:ph type="sldNum" sz="quarter" idx="10"/>
-          </p:nvPr>
-        </p:nvSpPr>
-        <p:spPr/>
-        <p:txBody>
-          <a:bodyPr/>
-          <a:lstStyle/>
-          <a:p>
-            <a:fld id="{3A87E165-B28A-4374-871B-436600FD27DA}" type="slidenum">
-              <a:rPr lang="tr-TR" smtClean="0"/>
-              <a:t>12</a:t>
-            </a:fld>
-            <a:endParaRPr lang="tr-TR"/>
-          </a:p>
-        </p:txBody>
-      </p:sp>
-    </p:spTree>
-    <p:extLst>
-      <p:ext uri="{BB962C8B-B14F-4D97-AF65-F5344CB8AC3E}">
-        <p14:creationId xmlns:p14="http://schemas.microsoft.com/office/powerpoint/2010/main" val="3192103448"/>
-      </p:ext>
-    </p:extLst>
-  </p:cSld>
-  <p:clrMapOvr>
-    <a:masterClrMapping/>
-  </p:clrMapOvr>
-</p:notes>
-</file>
-
-<file path=ppt/notesSlides/notesSlide11.xml><?xml version="1.0" encoding="utf-8"?>
-<p:notes xmlns:a="http://schemas.openxmlformats.org/drawingml/2006/main" xmlns:r="http://schemas.openxmlformats.org/officeDocument/2006/relationships" xmlns:p="http://schemas.openxmlformats.org/presentationml/2006/main">
-  <p:cSld>
-    <p:spTree>
-      <p:nvGrpSpPr>
-        <p:cNvPr id="1" name=""/>
-        <p:cNvGrpSpPr/>
-        <p:nvPr/>
-      </p:nvGrpSpPr>
-      <p:grpSpPr>
-        <a:xfrm>
-          <a:off x="0" y="0"/>
-          <a:ext cx="0" cy="0"/>
-          <a:chOff x="0" y="0"/>
-          <a:chExt cx="0" cy="0"/>
-        </a:xfrm>
-      </p:grpSpPr>
-      <p:sp>
-        <p:nvSpPr>
-          <p:cNvPr id="2" name="Slayt Görüntüsü Yer Tutucusu 1"/>
-          <p:cNvSpPr>
-            <a:spLocks noGrp="1" noRot="1" noChangeAspect="1"/>
-          </p:cNvSpPr>
-          <p:nvPr>
-            <p:ph type="sldImg"/>
-          </p:nvPr>
-        </p:nvSpPr>
-        <p:spPr/>
-      </p:sp>
-      <p:sp>
-        <p:nvSpPr>
-          <p:cNvPr id="3" name="Not Yer Tutucusu 2"/>
-          <p:cNvSpPr>
-            <a:spLocks noGrp="1"/>
-          </p:cNvSpPr>
-          <p:nvPr>
-            <p:ph type="body" idx="1"/>
-          </p:nvPr>
-        </p:nvSpPr>
-        <p:spPr/>
-        <p:txBody>
-          <a:bodyPr/>
-          <a:lstStyle/>
-          <a:p>
-            <a:endParaRPr lang="tr-TR" dirty="0"/>
-          </a:p>
-        </p:txBody>
-      </p:sp>
-      <p:sp>
-        <p:nvSpPr>
-          <p:cNvPr id="4" name="Slayt Numarası Yer Tutucusu 3"/>
-          <p:cNvSpPr>
-            <a:spLocks noGrp="1"/>
-          </p:cNvSpPr>
-          <p:nvPr>
-            <p:ph type="sldNum" sz="quarter" idx="10"/>
-          </p:nvPr>
-        </p:nvSpPr>
-        <p:spPr/>
-        <p:txBody>
-          <a:bodyPr/>
-          <a:lstStyle/>
-          <a:p>
-            <a:fld id="{3A87E165-B28A-4374-871B-436600FD27DA}" type="slidenum">
-              <a:rPr lang="tr-TR" smtClean="0"/>
-              <a:t>13</a:t>
-            </a:fld>
-            <a:endParaRPr lang="tr-TR"/>
-          </a:p>
-        </p:txBody>
-      </p:sp>
-    </p:spTree>
-    <p:extLst>
-      <p:ext uri="{BB962C8B-B14F-4D97-AF65-F5344CB8AC3E}">
-        <p14:creationId xmlns:p14="http://schemas.microsoft.com/office/powerpoint/2010/main" val="3764395552"/>
-      </p:ext>
-    </p:extLst>
-  </p:cSld>
-  <p:clrMapOvr>
-    <a:masterClrMapping/>
-  </p:clrMapOvr>
-</p:notes>
-</file>
-
 <file path=ppt/notesSlides/notesSlide2.xml><?xml version="1.0" encoding="utf-8"?>
 <p:notes xmlns:a="http://schemas.openxmlformats.org/drawingml/2006/main" xmlns:r="http://schemas.openxmlformats.org/officeDocument/2006/relationships" xmlns:p="http://schemas.openxmlformats.org/presentationml/2006/main">
   <p:cSld>
@@ -1244,174 +1071,6 @@
 </p:notes>
 </file>
 
-<file path=ppt/notesSlides/notesSlide8.xml><?xml version="1.0" encoding="utf-8"?>
-<p:notes xmlns:a="http://schemas.openxmlformats.org/drawingml/2006/main" xmlns:r="http://schemas.openxmlformats.org/officeDocument/2006/relationships" xmlns:p="http://schemas.openxmlformats.org/presentationml/2006/main">
-  <p:cSld>
-    <p:spTree>
-      <p:nvGrpSpPr>
-        <p:cNvPr id="1" name=""/>
-        <p:cNvGrpSpPr/>
-        <p:nvPr/>
-      </p:nvGrpSpPr>
-      <p:grpSpPr>
-        <a:xfrm>
-          <a:off x="0" y="0"/>
-          <a:ext cx="0" cy="0"/>
-          <a:chOff x="0" y="0"/>
-          <a:chExt cx="0" cy="0"/>
-        </a:xfrm>
-      </p:grpSpPr>
-      <p:sp>
-        <p:nvSpPr>
-          <p:cNvPr id="2" name="Slayt Görüntüsü Yer Tutucusu 1"/>
-          <p:cNvSpPr>
-            <a:spLocks noGrp="1" noRot="1" noChangeAspect="1"/>
-          </p:cNvSpPr>
-          <p:nvPr>
-            <p:ph type="sldImg"/>
-          </p:nvPr>
-        </p:nvSpPr>
-        <p:spPr/>
-      </p:sp>
-      <p:sp>
-        <p:nvSpPr>
-          <p:cNvPr id="3" name="Not Yer Tutucusu 2"/>
-          <p:cNvSpPr>
-            <a:spLocks noGrp="1"/>
-          </p:cNvSpPr>
-          <p:nvPr>
-            <p:ph type="body" idx="1"/>
-          </p:nvPr>
-        </p:nvSpPr>
-        <p:spPr/>
-        <p:txBody>
-          <a:bodyPr/>
-          <a:lstStyle/>
-          <a:p>
-            <a:endParaRPr lang="tr-TR" dirty="0"/>
-          </a:p>
-        </p:txBody>
-      </p:sp>
-      <p:sp>
-        <p:nvSpPr>
-          <p:cNvPr id="4" name="Slayt Numarası Yer Tutucusu 3"/>
-          <p:cNvSpPr>
-            <a:spLocks noGrp="1"/>
-          </p:cNvSpPr>
-          <p:nvPr>
-            <p:ph type="sldNum" sz="quarter" idx="10"/>
-          </p:nvPr>
-        </p:nvSpPr>
-        <p:spPr/>
-        <p:txBody>
-          <a:bodyPr/>
-          <a:lstStyle/>
-          <a:p>
-            <a:fld id="{3A87E165-B28A-4374-871B-436600FD27DA}" type="slidenum">
-              <a:rPr lang="tr-TR" smtClean="0"/>
-              <a:t>10</a:t>
-            </a:fld>
-            <a:endParaRPr lang="tr-TR"/>
-          </a:p>
-        </p:txBody>
-      </p:sp>
-    </p:spTree>
-    <p:extLst>
-      <p:ext uri="{BB962C8B-B14F-4D97-AF65-F5344CB8AC3E}">
-        <p14:creationId xmlns:p14="http://schemas.microsoft.com/office/powerpoint/2010/main" val="228628441"/>
-      </p:ext>
-    </p:extLst>
-  </p:cSld>
-  <p:clrMapOvr>
-    <a:masterClrMapping/>
-  </p:clrMapOvr>
-</p:notes>
-</file>
-
-<file path=ppt/notesSlides/notesSlide9.xml><?xml version="1.0" encoding="utf-8"?>
-<p:notes xmlns:a="http://schemas.openxmlformats.org/drawingml/2006/main" xmlns:r="http://schemas.openxmlformats.org/officeDocument/2006/relationships" xmlns:p="http://schemas.openxmlformats.org/presentationml/2006/main">
-  <p:cSld>
-    <p:spTree>
-      <p:nvGrpSpPr>
-        <p:cNvPr id="1" name=""/>
-        <p:cNvGrpSpPr/>
-        <p:nvPr/>
-      </p:nvGrpSpPr>
-      <p:grpSpPr>
-        <a:xfrm>
-          <a:off x="0" y="0"/>
-          <a:ext cx="0" cy="0"/>
-          <a:chOff x="0" y="0"/>
-          <a:chExt cx="0" cy="0"/>
-        </a:xfrm>
-      </p:grpSpPr>
-      <p:sp>
-        <p:nvSpPr>
-          <p:cNvPr id="2" name="Slayt Görüntüsü Yer Tutucusu 1"/>
-          <p:cNvSpPr>
-            <a:spLocks noGrp="1" noRot="1" noChangeAspect="1"/>
-          </p:cNvSpPr>
-          <p:nvPr>
-            <p:ph type="sldImg"/>
-          </p:nvPr>
-        </p:nvSpPr>
-        <p:spPr/>
-      </p:sp>
-      <p:sp>
-        <p:nvSpPr>
-          <p:cNvPr id="3" name="Not Yer Tutucusu 2"/>
-          <p:cNvSpPr>
-            <a:spLocks noGrp="1"/>
-          </p:cNvSpPr>
-          <p:nvPr>
-            <p:ph type="body" idx="1"/>
-          </p:nvPr>
-        </p:nvSpPr>
-        <p:spPr/>
-        <p:txBody>
-          <a:bodyPr/>
-          <a:lstStyle/>
-          <a:p>
-            <a:endParaRPr lang="tr-TR" dirty="0"/>
-          </a:p>
-        </p:txBody>
-      </p:sp>
-      <p:sp>
-        <p:nvSpPr>
-          <p:cNvPr id="4" name="Slayt Numarası Yer Tutucusu 3"/>
-          <p:cNvSpPr>
-            <a:spLocks noGrp="1"/>
-          </p:cNvSpPr>
-          <p:nvPr>
-            <p:ph type="sldNum" sz="quarter" idx="10"/>
-          </p:nvPr>
-        </p:nvSpPr>
-        <p:spPr/>
-        <p:txBody>
-          <a:bodyPr/>
-          <a:lstStyle/>
-          <a:p>
-            <a:fld id="{3A87E165-B28A-4374-871B-436600FD27DA}" type="slidenum">
-              <a:rPr lang="tr-TR" smtClean="0"/>
-              <a:t>11</a:t>
-            </a:fld>
-            <a:endParaRPr lang="tr-TR"/>
-          </a:p>
-        </p:txBody>
-      </p:sp>
-    </p:spTree>
-    <p:extLst>
-      <p:ext uri="{BB962C8B-B14F-4D97-AF65-F5344CB8AC3E}">
-        <p14:creationId xmlns:p14="http://schemas.microsoft.com/office/powerpoint/2010/main" val="1277426224"/>
-      </p:ext>
-    </p:extLst>
-  </p:cSld>
-  <p:clrMapOvr>
-    <a:masterClrMapping/>
-  </p:clrMapOvr>
-</p:notes>
-</file>
-
 <file path=ppt/slideLayouts/slideLayout1.xml><?xml version="1.0" encoding="utf-8"?>
 <p:sldLayout xmlns:a="http://schemas.openxmlformats.org/drawingml/2006/main" xmlns:r="http://schemas.openxmlformats.org/officeDocument/2006/relationships" xmlns:p="http://schemas.openxmlformats.org/presentationml/2006/main" type="obj" preserve="1">
   <p:cSld name="Title Slide">
@@ -1551,7 +1210,7 @@
           <a:p>
             <a:fld id="{1D8BD707-D9CF-40AE-B4C6-C98DA3205C09}" type="datetimeFigureOut">
               <a:rPr lang="en-US"/>
-              <a:t>11/19/2024</a:t>
+              <a:t>1/14/2025</a:t>
             </a:fld>
             <a:endParaRPr lang="en-US"/>
           </a:p>
@@ -1728,7 +1387,7 @@
           <a:p>
             <a:fld id="{1D8BD707-D9CF-40AE-B4C6-C98DA3205C09}" type="datetimeFigureOut">
               <a:rPr lang="en-US"/>
-              <a:t>11/19/2024</a:t>
+              <a:t>1/14/2025</a:t>
             </a:fld>
             <a:endParaRPr lang="en-US"/>
           </a:p>
@@ -1942,7 +1601,7 @@
           <a:p>
             <a:fld id="{1D8BD707-D9CF-40AE-B4C6-C98DA3205C09}" type="datetimeFigureOut">
               <a:rPr lang="en-US"/>
-              <a:t>11/19/2024</a:t>
+              <a:t>1/14/2025</a:t>
             </a:fld>
             <a:endParaRPr lang="en-US"/>
           </a:p>
@@ -2090,7 +1749,7 @@
           <a:p>
             <a:fld id="{1D8BD707-D9CF-40AE-B4C6-C98DA3205C09}" type="datetimeFigureOut">
               <a:rPr lang="en-US"/>
-              <a:t>11/19/2024</a:t>
+              <a:t>1/14/2025</a:t>
             </a:fld>
             <a:endParaRPr lang="en-US"/>
           </a:p>
@@ -2209,7 +1868,7 @@
           <a:p>
             <a:fld id="{1D8BD707-D9CF-40AE-B4C6-C98DA3205C09}" type="datetimeFigureOut">
               <a:rPr lang="en-US"/>
-              <a:t>11/19/2024</a:t>
+              <a:t>1/14/2025</a:t>
             </a:fld>
             <a:endParaRPr lang="en-US"/>
           </a:p>
@@ -6961,7 +6620,7 @@
           <a:p>
             <a:fld id="{1D8BD707-D9CF-40AE-B4C6-C98DA3205C09}" type="datetimeFigureOut">
               <a:rPr lang="en-US"/>
-              <a:t>11/19/2024</a:t>
+              <a:t>1/14/2025</a:t>
             </a:fld>
             <a:endParaRPr lang="en-US"/>
           </a:p>
@@ -8206,3072 +7865,6 @@
                 <a:cs typeface="Arial"/>
               </a:rPr>
               <a:t>1</a:t>
-            </a:r>
-            <a:endParaRPr sz="1200">
-              <a:latin typeface="Arial"/>
-              <a:cs typeface="Arial"/>
-            </a:endParaRPr>
-          </a:p>
-        </p:txBody>
-      </p:sp>
-    </p:spTree>
-  </p:cSld>
-  <p:clrMapOvr>
-    <a:masterClrMapping/>
-  </p:clrMapOvr>
-</p:sld>
-</file>
-
-<file path=ppt/slides/slide10.xml><?xml version="1.0" encoding="utf-8"?>
-<p:sld xmlns:a="http://schemas.openxmlformats.org/drawingml/2006/main" xmlns:r="http://schemas.openxmlformats.org/officeDocument/2006/relationships" xmlns:p="http://schemas.openxmlformats.org/presentationml/2006/main">
-  <p:cSld>
-    <p:spTree>
-      <p:nvGrpSpPr>
-        <p:cNvPr id="1" name=""/>
-        <p:cNvGrpSpPr/>
-        <p:nvPr/>
-      </p:nvGrpSpPr>
-      <p:grpSpPr>
-        <a:xfrm>
-          <a:off x="0" y="0"/>
-          <a:ext cx="0" cy="0"/>
-          <a:chOff x="0" y="0"/>
-          <a:chExt cx="0" cy="0"/>
-        </a:xfrm>
-      </p:grpSpPr>
-      <p:sp>
-        <p:nvSpPr>
-          <p:cNvPr id="2" name="object 2"/>
-          <p:cNvSpPr txBox="1">
-            <a:spLocks noGrp="1"/>
-          </p:cNvSpPr>
-          <p:nvPr>
-            <p:ph type="title"/>
-          </p:nvPr>
-        </p:nvSpPr>
-        <p:spPr>
-          <a:xfrm>
-            <a:off x="1122070" y="1110741"/>
-            <a:ext cx="5670550" cy="513715"/>
-          </a:xfrm>
-          <a:prstGeom prst="rect">
-            <a:avLst/>
-          </a:prstGeom>
-        </p:spPr>
-        <p:txBody>
-          <a:bodyPr vert="horz" wrap="square" lIns="0" tIns="13335" rIns="0" bIns="0" rtlCol="0">
-            <a:spAutoFit/>
-          </a:bodyPr>
-          <a:lstStyle/>
-          <a:p>
-            <a:pPr marL="12700">
-              <a:lnSpc>
-                <a:spcPct val="100000"/>
-              </a:lnSpc>
-              <a:spcBef>
-                <a:spcPts val="105"/>
-              </a:spcBef>
-            </a:pPr>
-            <a:r>
-              <a:rPr spc="-5" dirty="0"/>
-              <a:t>Birleştirme </a:t>
-            </a:r>
-            <a:r>
-              <a:rPr spc="-10" dirty="0"/>
-              <a:t>sıralaması-Merge</a:t>
-            </a:r>
-            <a:r>
-              <a:rPr spc="-100" dirty="0"/>
-              <a:t> </a:t>
-            </a:r>
-            <a:r>
-              <a:rPr dirty="0"/>
-              <a:t>Sort</a:t>
-            </a:r>
-          </a:p>
-        </p:txBody>
-      </p:sp>
-      <p:sp>
-        <p:nvSpPr>
-          <p:cNvPr id="3" name="object 3"/>
-          <p:cNvSpPr/>
-          <p:nvPr/>
-        </p:nvSpPr>
-        <p:spPr>
-          <a:xfrm>
-            <a:off x="1331975" y="1857755"/>
-            <a:ext cx="6391656" cy="4379976"/>
-          </a:xfrm>
-          <a:prstGeom prst="rect">
-            <a:avLst/>
-          </a:prstGeom>
-          <a:blipFill>
-            <a:blip r:embed="rId3" cstate="print"/>
-            <a:stretch>
-              <a:fillRect/>
-            </a:stretch>
-          </a:blipFill>
-        </p:spPr>
-        <p:txBody>
-          <a:bodyPr wrap="square" lIns="0" tIns="0" rIns="0" bIns="0" rtlCol="0"/>
-          <a:lstStyle/>
-          <a:p>
-            <a:endParaRPr/>
-          </a:p>
-        </p:txBody>
-      </p:sp>
-      <p:sp>
-        <p:nvSpPr>
-          <p:cNvPr id="4" name="object 4"/>
-          <p:cNvSpPr txBox="1"/>
-          <p:nvPr/>
-        </p:nvSpPr>
-        <p:spPr>
-          <a:xfrm>
-            <a:off x="4729353" y="297941"/>
-            <a:ext cx="196215" cy="208279"/>
-          </a:xfrm>
-          <a:prstGeom prst="rect">
-            <a:avLst/>
-          </a:prstGeom>
-        </p:spPr>
-        <p:txBody>
-          <a:bodyPr vert="horz" wrap="square" lIns="0" tIns="12700" rIns="0" bIns="0" rtlCol="0">
-            <a:spAutoFit/>
-          </a:bodyPr>
-          <a:lstStyle/>
-          <a:p>
-            <a:pPr marL="12700">
-              <a:lnSpc>
-                <a:spcPct val="100000"/>
-              </a:lnSpc>
-              <a:spcBef>
-                <a:spcPts val="100"/>
-              </a:spcBef>
-            </a:pPr>
-            <a:r>
-              <a:rPr sz="1200" spc="-5" dirty="0">
-                <a:solidFill>
-                  <a:srgbClr val="FDFDFD"/>
-                </a:solidFill>
-                <a:latin typeface="Arial"/>
-                <a:cs typeface="Arial"/>
-              </a:rPr>
-              <a:t>53</a:t>
-            </a:r>
-            <a:endParaRPr sz="1200">
-              <a:latin typeface="Arial"/>
-              <a:cs typeface="Arial"/>
-            </a:endParaRPr>
-          </a:p>
-        </p:txBody>
-      </p:sp>
-    </p:spTree>
-  </p:cSld>
-  <p:clrMapOvr>
-    <a:masterClrMapping/>
-  </p:clrMapOvr>
-</p:sld>
-</file>
-
-<file path=ppt/slides/slide11.xml><?xml version="1.0" encoding="utf-8"?>
-<p:sld xmlns:a="http://schemas.openxmlformats.org/drawingml/2006/main" xmlns:r="http://schemas.openxmlformats.org/officeDocument/2006/relationships" xmlns:p="http://schemas.openxmlformats.org/presentationml/2006/main">
-  <p:cSld>
-    <p:spTree>
-      <p:nvGrpSpPr>
-        <p:cNvPr id="1" name=""/>
-        <p:cNvGrpSpPr/>
-        <p:nvPr/>
-      </p:nvGrpSpPr>
-      <p:grpSpPr>
-        <a:xfrm>
-          <a:off x="0" y="0"/>
-          <a:ext cx="0" cy="0"/>
-          <a:chOff x="0" y="0"/>
-          <a:chExt cx="0" cy="0"/>
-        </a:xfrm>
-      </p:grpSpPr>
-      <p:sp>
-        <p:nvSpPr>
-          <p:cNvPr id="2" name="object 2"/>
-          <p:cNvSpPr txBox="1">
-            <a:spLocks noGrp="1"/>
-          </p:cNvSpPr>
-          <p:nvPr>
-            <p:ph type="title"/>
-          </p:nvPr>
-        </p:nvSpPr>
-        <p:spPr>
-          <a:xfrm>
-            <a:off x="1122070" y="1235710"/>
-            <a:ext cx="4020185" cy="452120"/>
-          </a:xfrm>
-          <a:prstGeom prst="rect">
-            <a:avLst/>
-          </a:prstGeom>
-        </p:spPr>
-        <p:txBody>
-          <a:bodyPr vert="horz" wrap="square" lIns="0" tIns="12065" rIns="0" bIns="0" rtlCol="0">
-            <a:spAutoFit/>
-          </a:bodyPr>
-          <a:lstStyle/>
-          <a:p>
-            <a:pPr marL="12700">
-              <a:lnSpc>
-                <a:spcPct val="100000"/>
-              </a:lnSpc>
-              <a:spcBef>
-                <a:spcPts val="95"/>
-              </a:spcBef>
-            </a:pPr>
-            <a:r>
-              <a:rPr sz="2800" spc="-10" dirty="0"/>
-              <a:t>Yinelemeler</a:t>
-            </a:r>
-            <a:r>
-              <a:rPr sz="2800" spc="-30" dirty="0"/>
-              <a:t> </a:t>
-            </a:r>
-            <a:r>
-              <a:rPr sz="2800" spc="-10" dirty="0"/>
-              <a:t>–(Reküranslar)</a:t>
-            </a:r>
-            <a:endParaRPr sz="2800" dirty="0"/>
-          </a:p>
-        </p:txBody>
-      </p:sp>
-      <p:sp>
-        <p:nvSpPr>
-          <p:cNvPr id="3" name="object 3"/>
-          <p:cNvSpPr txBox="1"/>
-          <p:nvPr/>
-        </p:nvSpPr>
-        <p:spPr>
-          <a:xfrm>
-            <a:off x="1192174" y="1929765"/>
-            <a:ext cx="6771005" cy="3903979"/>
-          </a:xfrm>
-          <a:prstGeom prst="rect">
-            <a:avLst/>
-          </a:prstGeom>
-        </p:spPr>
-        <p:txBody>
-          <a:bodyPr vert="horz" wrap="square" lIns="0" tIns="12700" rIns="0" bIns="0" rtlCol="0">
-            <a:spAutoFit/>
-          </a:bodyPr>
-          <a:lstStyle/>
-          <a:p>
-            <a:pPr marL="285115" marR="66675" indent="-273050">
-              <a:lnSpc>
-                <a:spcPct val="100000"/>
-              </a:lnSpc>
-              <a:spcBef>
-                <a:spcPts val="100"/>
-              </a:spcBef>
-            </a:pPr>
-            <a:r>
-              <a:rPr sz="1800" spc="-175" dirty="0">
-                <a:solidFill>
-                  <a:srgbClr val="AC0000"/>
-                </a:solidFill>
-                <a:latin typeface="Wingdings"/>
-                <a:cs typeface="Wingdings"/>
-              </a:rPr>
-              <a:t></a:t>
-            </a:r>
-            <a:r>
-              <a:rPr sz="1800" spc="-175" dirty="0">
-                <a:solidFill>
-                  <a:srgbClr val="AC0000"/>
-                </a:solidFill>
-                <a:latin typeface="Times New Roman"/>
-                <a:cs typeface="Times New Roman"/>
-              </a:rPr>
-              <a:t> </a:t>
-            </a:r>
-            <a:r>
-              <a:rPr sz="2400" spc="-5" dirty="0">
-                <a:solidFill>
-                  <a:srgbClr val="2F2F2F"/>
-                </a:solidFill>
-                <a:latin typeface="Calibri"/>
-                <a:cs typeface="Calibri"/>
-              </a:rPr>
-              <a:t>Yinelemeli </a:t>
-            </a:r>
-            <a:r>
-              <a:rPr sz="2400" spc="-10" dirty="0">
-                <a:solidFill>
-                  <a:srgbClr val="2F2F2F"/>
-                </a:solidFill>
-                <a:latin typeface="Calibri"/>
-                <a:cs typeface="Calibri"/>
-              </a:rPr>
-              <a:t>algoritmalarda </a:t>
-            </a:r>
-            <a:r>
-              <a:rPr sz="2400" spc="-5" dirty="0">
-                <a:solidFill>
-                  <a:srgbClr val="2F2F2F"/>
-                </a:solidFill>
-                <a:latin typeface="Calibri"/>
-                <a:cs typeface="Calibri"/>
-              </a:rPr>
-              <a:t>çalışma </a:t>
-            </a:r>
-            <a:r>
-              <a:rPr sz="2400" spc="-10" dirty="0">
-                <a:solidFill>
-                  <a:srgbClr val="2F2F2F"/>
-                </a:solidFill>
-                <a:latin typeface="Calibri"/>
-                <a:cs typeface="Calibri"/>
-              </a:rPr>
-              <a:t>süresi reküranslar  kullanılarak</a:t>
-            </a:r>
-            <a:r>
-              <a:rPr sz="2400" spc="-35" dirty="0">
-                <a:solidFill>
-                  <a:srgbClr val="2F2F2F"/>
-                </a:solidFill>
-                <a:latin typeface="Calibri"/>
-                <a:cs typeface="Calibri"/>
-              </a:rPr>
-              <a:t> </a:t>
-            </a:r>
-            <a:r>
-              <a:rPr sz="2400" spc="-20" dirty="0">
-                <a:solidFill>
-                  <a:srgbClr val="2F2F2F"/>
-                </a:solidFill>
-                <a:latin typeface="Calibri"/>
-                <a:cs typeface="Calibri"/>
-              </a:rPr>
-              <a:t>tanımlanabilir.</a:t>
-            </a:r>
-            <a:endParaRPr sz="2400">
-              <a:latin typeface="Calibri"/>
-              <a:cs typeface="Calibri"/>
-            </a:endParaRPr>
-          </a:p>
-          <a:p>
-            <a:pPr marL="285115" marR="594360" indent="-273050">
-              <a:lnSpc>
-                <a:spcPct val="100000"/>
-              </a:lnSpc>
-              <a:spcBef>
-                <a:spcPts val="575"/>
-              </a:spcBef>
-            </a:pPr>
-            <a:r>
-              <a:rPr sz="1800" spc="-175" dirty="0">
-                <a:solidFill>
-                  <a:srgbClr val="AC0000"/>
-                </a:solidFill>
-                <a:latin typeface="Wingdings"/>
-                <a:cs typeface="Wingdings"/>
-              </a:rPr>
-              <a:t></a:t>
-            </a:r>
-            <a:r>
-              <a:rPr sz="1800" spc="-175" dirty="0">
-                <a:solidFill>
-                  <a:srgbClr val="AC0000"/>
-                </a:solidFill>
-                <a:latin typeface="Times New Roman"/>
-                <a:cs typeface="Times New Roman"/>
-              </a:rPr>
-              <a:t> </a:t>
-            </a:r>
-            <a:r>
-              <a:rPr sz="2400" dirty="0">
-                <a:solidFill>
-                  <a:srgbClr val="2F2F2F"/>
-                </a:solidFill>
-                <a:latin typeface="Calibri"/>
-                <a:cs typeface="Calibri"/>
-              </a:rPr>
-              <a:t>Bir </a:t>
-            </a:r>
-            <a:r>
-              <a:rPr sz="2400" b="1" dirty="0">
-                <a:solidFill>
-                  <a:srgbClr val="2F2F2F"/>
-                </a:solidFill>
-                <a:latin typeface="Calibri"/>
-                <a:cs typeface="Calibri"/>
-              </a:rPr>
-              <a:t>yineleme </a:t>
-            </a:r>
-            <a:r>
-              <a:rPr sz="2400" spc="-5" dirty="0">
-                <a:solidFill>
-                  <a:srgbClr val="2F2F2F"/>
-                </a:solidFill>
-                <a:latin typeface="Calibri"/>
-                <a:cs typeface="Calibri"/>
-              </a:rPr>
-              <a:t>herhangi bir </a:t>
-            </a:r>
-            <a:r>
-              <a:rPr sz="2400" spc="-15" dirty="0">
-                <a:solidFill>
-                  <a:srgbClr val="2F2F2F"/>
-                </a:solidFill>
-                <a:latin typeface="Calibri"/>
-                <a:cs typeface="Calibri"/>
-              </a:rPr>
-              <a:t>fonksiyonu </a:t>
-            </a:r>
-            <a:r>
-              <a:rPr sz="2400" spc="-10" dirty="0">
-                <a:solidFill>
-                  <a:srgbClr val="2F2F2F"/>
-                </a:solidFill>
-                <a:latin typeface="Calibri"/>
-                <a:cs typeface="Calibri"/>
-              </a:rPr>
-              <a:t>kendisinin  </a:t>
-            </a:r>
-            <a:r>
-              <a:rPr sz="2400" dirty="0">
-                <a:solidFill>
-                  <a:srgbClr val="2F2F2F"/>
-                </a:solidFill>
-                <a:latin typeface="Calibri"/>
-                <a:cs typeface="Calibri"/>
-              </a:rPr>
-              <a:t>küçük girişleriyle</a:t>
-            </a:r>
-            <a:r>
-              <a:rPr sz="2400" spc="-35" dirty="0">
-                <a:solidFill>
-                  <a:srgbClr val="2F2F2F"/>
-                </a:solidFill>
-                <a:latin typeface="Calibri"/>
-                <a:cs typeface="Calibri"/>
-              </a:rPr>
-              <a:t> </a:t>
-            </a:r>
-            <a:r>
-              <a:rPr sz="2400" spc="-30" dirty="0">
-                <a:solidFill>
-                  <a:srgbClr val="2F2F2F"/>
-                </a:solidFill>
-                <a:latin typeface="Calibri"/>
-                <a:cs typeface="Calibri"/>
-              </a:rPr>
-              <a:t>tanımlar.</a:t>
-            </a:r>
-            <a:endParaRPr sz="2400">
-              <a:latin typeface="Calibri"/>
-              <a:cs typeface="Calibri"/>
-            </a:endParaRPr>
-          </a:p>
-          <a:p>
-            <a:pPr marL="12700">
-              <a:lnSpc>
-                <a:spcPct val="100000"/>
-              </a:lnSpc>
-              <a:spcBef>
-                <a:spcPts val="580"/>
-              </a:spcBef>
-            </a:pPr>
-            <a:r>
-              <a:rPr sz="1800" spc="-175" dirty="0">
-                <a:solidFill>
-                  <a:srgbClr val="AC0000"/>
-                </a:solidFill>
-                <a:latin typeface="Wingdings"/>
-                <a:cs typeface="Wingdings"/>
-              </a:rPr>
-              <a:t></a:t>
-            </a:r>
-            <a:r>
-              <a:rPr sz="1800" spc="-175" dirty="0">
-                <a:solidFill>
-                  <a:srgbClr val="AC0000"/>
-                </a:solidFill>
-                <a:latin typeface="Times New Roman"/>
-                <a:cs typeface="Times New Roman"/>
-              </a:rPr>
-              <a:t> </a:t>
-            </a:r>
-            <a:r>
-              <a:rPr sz="2400" spc="-5" dirty="0">
-                <a:solidFill>
-                  <a:srgbClr val="2F2F2F"/>
-                </a:solidFill>
-                <a:latin typeface="Calibri"/>
-                <a:cs typeface="Calibri"/>
-              </a:rPr>
-              <a:t>Yinelemeleri </a:t>
-            </a:r>
-            <a:r>
-              <a:rPr sz="2400" spc="-15" dirty="0">
-                <a:solidFill>
-                  <a:srgbClr val="2F2F2F"/>
-                </a:solidFill>
-                <a:latin typeface="Calibri"/>
-                <a:cs typeface="Calibri"/>
-              </a:rPr>
-              <a:t>çözmek </a:t>
-            </a:r>
-            <a:r>
-              <a:rPr sz="2400" dirty="0">
-                <a:solidFill>
-                  <a:srgbClr val="2F2F2F"/>
-                </a:solidFill>
-                <a:latin typeface="Calibri"/>
-                <a:cs typeface="Calibri"/>
-              </a:rPr>
-              <a:t>için </a:t>
-            </a:r>
-            <a:r>
-              <a:rPr sz="2400" spc="-5" dirty="0">
-                <a:solidFill>
-                  <a:srgbClr val="2F2F2F"/>
-                </a:solidFill>
-                <a:latin typeface="Calibri"/>
-                <a:cs typeface="Calibri"/>
-              </a:rPr>
-              <a:t>genel bir </a:t>
-            </a:r>
-            <a:r>
-              <a:rPr sz="2400" spc="-10" dirty="0">
-                <a:solidFill>
-                  <a:srgbClr val="2F2F2F"/>
-                </a:solidFill>
-                <a:latin typeface="Calibri"/>
-                <a:cs typeface="Calibri"/>
-              </a:rPr>
-              <a:t>prosedür</a:t>
-            </a:r>
-            <a:r>
-              <a:rPr sz="2400" spc="-45" dirty="0">
-                <a:solidFill>
-                  <a:srgbClr val="2F2F2F"/>
-                </a:solidFill>
-                <a:latin typeface="Calibri"/>
-                <a:cs typeface="Calibri"/>
-              </a:rPr>
-              <a:t> </a:t>
-            </a:r>
-            <a:r>
-              <a:rPr sz="2400" spc="-10" dirty="0">
-                <a:solidFill>
-                  <a:srgbClr val="2F2F2F"/>
-                </a:solidFill>
-                <a:latin typeface="Calibri"/>
-                <a:cs typeface="Calibri"/>
-              </a:rPr>
-              <a:t>yada</a:t>
-            </a:r>
-            <a:endParaRPr sz="2400">
-              <a:latin typeface="Calibri"/>
-              <a:cs typeface="Calibri"/>
-            </a:endParaRPr>
-          </a:p>
-          <a:p>
-            <a:pPr marL="285115">
-              <a:lnSpc>
-                <a:spcPct val="100000"/>
-              </a:lnSpc>
-            </a:pPr>
-            <a:r>
-              <a:rPr sz="2400" spc="-15" dirty="0">
-                <a:solidFill>
-                  <a:srgbClr val="2F2F2F"/>
-                </a:solidFill>
-                <a:latin typeface="Calibri"/>
-                <a:cs typeface="Calibri"/>
-              </a:rPr>
-              <a:t>yöntem</a:t>
-            </a:r>
-            <a:r>
-              <a:rPr sz="2400" spc="-25" dirty="0">
-                <a:solidFill>
-                  <a:srgbClr val="2F2F2F"/>
-                </a:solidFill>
-                <a:latin typeface="Calibri"/>
-                <a:cs typeface="Calibri"/>
-              </a:rPr>
-              <a:t> </a:t>
-            </a:r>
-            <a:r>
-              <a:rPr sz="2400" spc="-45" dirty="0">
-                <a:solidFill>
-                  <a:srgbClr val="2F2F2F"/>
-                </a:solidFill>
-                <a:latin typeface="Calibri"/>
-                <a:cs typeface="Calibri"/>
-              </a:rPr>
-              <a:t>yoktur.</a:t>
-            </a:r>
-            <a:endParaRPr sz="2400">
-              <a:latin typeface="Calibri"/>
-              <a:cs typeface="Calibri"/>
-            </a:endParaRPr>
-          </a:p>
-          <a:p>
-            <a:pPr marL="285115" marR="5080" indent="-273050">
-              <a:lnSpc>
-                <a:spcPct val="100000"/>
-              </a:lnSpc>
-              <a:spcBef>
-                <a:spcPts val="575"/>
-              </a:spcBef>
-            </a:pPr>
-            <a:r>
-              <a:rPr sz="1800" spc="-175" dirty="0">
-                <a:solidFill>
-                  <a:srgbClr val="AC0000"/>
-                </a:solidFill>
-                <a:latin typeface="Wingdings"/>
-                <a:cs typeface="Wingdings"/>
-              </a:rPr>
-              <a:t></a:t>
-            </a:r>
-            <a:r>
-              <a:rPr sz="1800" spc="-175" dirty="0">
-                <a:solidFill>
-                  <a:srgbClr val="AC0000"/>
-                </a:solidFill>
-                <a:latin typeface="Times New Roman"/>
-                <a:cs typeface="Times New Roman"/>
-              </a:rPr>
-              <a:t> </a:t>
-            </a:r>
-            <a:r>
-              <a:rPr sz="2400" spc="-5" dirty="0">
-                <a:solidFill>
-                  <a:srgbClr val="2F2F2F"/>
-                </a:solidFill>
-                <a:latin typeface="Calibri"/>
-                <a:cs typeface="Calibri"/>
-              </a:rPr>
-              <a:t>Malesef </a:t>
-            </a:r>
-            <a:r>
-              <a:rPr sz="2400" dirty="0">
-                <a:solidFill>
-                  <a:srgbClr val="2F2F2F"/>
-                </a:solidFill>
-                <a:latin typeface="Calibri"/>
-                <a:cs typeface="Calibri"/>
-              </a:rPr>
-              <a:t>yinelemeleri </a:t>
-            </a:r>
-            <a:r>
-              <a:rPr sz="2400" spc="-15" dirty="0">
-                <a:solidFill>
-                  <a:srgbClr val="2F2F2F"/>
-                </a:solidFill>
-                <a:latin typeface="Calibri"/>
-                <a:cs typeface="Calibri"/>
-              </a:rPr>
-              <a:t>çözmek </a:t>
-            </a:r>
-            <a:r>
-              <a:rPr sz="2400" dirty="0">
-                <a:solidFill>
-                  <a:srgbClr val="2F2F2F"/>
-                </a:solidFill>
-                <a:latin typeface="Calibri"/>
-                <a:cs typeface="Calibri"/>
-              </a:rPr>
-              <a:t>için iyi </a:t>
-            </a:r>
-            <a:r>
-              <a:rPr sz="2400" spc="-5" dirty="0">
-                <a:solidFill>
-                  <a:srgbClr val="2F2F2F"/>
-                </a:solidFill>
-                <a:latin typeface="Calibri"/>
-                <a:cs typeface="Calibri"/>
-              </a:rPr>
-              <a:t>bir algoritma da  </a:t>
-            </a:r>
-            <a:r>
-              <a:rPr sz="2400" spc="-45" dirty="0">
-                <a:solidFill>
-                  <a:srgbClr val="2F2F2F"/>
-                </a:solidFill>
-                <a:latin typeface="Calibri"/>
-                <a:cs typeface="Calibri"/>
-              </a:rPr>
-              <a:t>yoktur. </a:t>
-            </a:r>
-            <a:r>
-              <a:rPr sz="2400" spc="-5" dirty="0">
-                <a:solidFill>
-                  <a:srgbClr val="2F2F2F"/>
-                </a:solidFill>
-                <a:latin typeface="Calibri"/>
-                <a:cs typeface="Calibri"/>
-              </a:rPr>
-              <a:t>Sadece birtakım teknikler </a:t>
-            </a:r>
-            <a:r>
-              <a:rPr sz="2400" spc="-50" dirty="0">
-                <a:solidFill>
-                  <a:srgbClr val="2F2F2F"/>
-                </a:solidFill>
-                <a:latin typeface="Calibri"/>
-                <a:cs typeface="Calibri"/>
-              </a:rPr>
-              <a:t>vardır. </a:t>
-            </a:r>
-            <a:r>
-              <a:rPr sz="2400" dirty="0">
-                <a:solidFill>
-                  <a:srgbClr val="2F2F2F"/>
-                </a:solidFill>
-                <a:latin typeface="Calibri"/>
-                <a:cs typeface="Calibri"/>
-              </a:rPr>
-              <a:t>Bunların  </a:t>
-            </a:r>
-            <a:r>
-              <a:rPr sz="2400" spc="-5" dirty="0">
-                <a:solidFill>
-                  <a:srgbClr val="2F2F2F"/>
-                </a:solidFill>
-                <a:latin typeface="Calibri"/>
-                <a:cs typeface="Calibri"/>
-              </a:rPr>
-              <a:t>bazıları </a:t>
-            </a:r>
-            <a:r>
-              <a:rPr sz="2400" spc="-15" dirty="0">
-                <a:solidFill>
-                  <a:srgbClr val="2F2F2F"/>
-                </a:solidFill>
-                <a:latin typeface="Calibri"/>
-                <a:cs typeface="Calibri"/>
-              </a:rPr>
-              <a:t>bazen </a:t>
-            </a:r>
-            <a:r>
-              <a:rPr sz="2400" dirty="0">
-                <a:solidFill>
-                  <a:srgbClr val="2F2F2F"/>
-                </a:solidFill>
-                <a:latin typeface="Calibri"/>
-                <a:cs typeface="Calibri"/>
-              </a:rPr>
-              <a:t>işe </a:t>
-            </a:r>
-            <a:r>
-              <a:rPr sz="2400" spc="-15" dirty="0">
-                <a:solidFill>
-                  <a:srgbClr val="2F2F2F"/>
-                </a:solidFill>
-                <a:latin typeface="Calibri"/>
-                <a:cs typeface="Calibri"/>
-              </a:rPr>
-              <a:t>yarar ve </a:t>
-            </a:r>
-            <a:r>
-              <a:rPr sz="2400" spc="-10" dirty="0">
-                <a:solidFill>
-                  <a:srgbClr val="2F2F2F"/>
-                </a:solidFill>
-                <a:latin typeface="Calibri"/>
-                <a:cs typeface="Calibri"/>
-              </a:rPr>
-              <a:t>eğer şanslıysanız</a:t>
-            </a:r>
-            <a:r>
-              <a:rPr sz="2400" spc="10" dirty="0">
-                <a:solidFill>
-                  <a:srgbClr val="2F2F2F"/>
-                </a:solidFill>
-                <a:latin typeface="Calibri"/>
-                <a:cs typeface="Calibri"/>
-              </a:rPr>
-              <a:t> </a:t>
-            </a:r>
-            <a:r>
-              <a:rPr sz="2400" spc="-5" dirty="0">
-                <a:solidFill>
-                  <a:srgbClr val="2F2F2F"/>
-                </a:solidFill>
-                <a:latin typeface="Calibri"/>
-                <a:cs typeface="Calibri"/>
-              </a:rPr>
-              <a:t>sizin</a:t>
-            </a:r>
-            <a:endParaRPr sz="2400">
-              <a:latin typeface="Calibri"/>
-              <a:cs typeface="Calibri"/>
-            </a:endParaRPr>
-          </a:p>
-          <a:p>
-            <a:pPr marL="285115">
-              <a:lnSpc>
-                <a:spcPct val="100000"/>
-              </a:lnSpc>
-              <a:spcBef>
-                <a:spcPts val="5"/>
-              </a:spcBef>
-            </a:pPr>
-            <a:r>
-              <a:rPr sz="2400" dirty="0">
-                <a:solidFill>
-                  <a:srgbClr val="2F2F2F"/>
-                </a:solidFill>
-                <a:latin typeface="Calibri"/>
-                <a:cs typeface="Calibri"/>
-              </a:rPr>
-              <a:t>yinelemeniz için </a:t>
-            </a:r>
-            <a:r>
-              <a:rPr sz="2400" spc="-10" dirty="0">
-                <a:solidFill>
-                  <a:srgbClr val="2F2F2F"/>
-                </a:solidFill>
-                <a:latin typeface="Calibri"/>
-                <a:cs typeface="Calibri"/>
-              </a:rPr>
-              <a:t>bunlardan </a:t>
-            </a:r>
-            <a:r>
-              <a:rPr sz="2400" spc="-5" dirty="0">
-                <a:solidFill>
-                  <a:srgbClr val="2F2F2F"/>
-                </a:solidFill>
-                <a:latin typeface="Calibri"/>
-                <a:cs typeface="Calibri"/>
-              </a:rPr>
-              <a:t>biri</a:t>
-            </a:r>
-            <a:r>
-              <a:rPr sz="2400" spc="-30" dirty="0">
-                <a:solidFill>
-                  <a:srgbClr val="2F2F2F"/>
-                </a:solidFill>
-                <a:latin typeface="Calibri"/>
-                <a:cs typeface="Calibri"/>
-              </a:rPr>
-              <a:t> </a:t>
-            </a:r>
-            <a:r>
-              <a:rPr sz="2400" spc="-35" dirty="0">
-                <a:solidFill>
-                  <a:srgbClr val="2F2F2F"/>
-                </a:solidFill>
-                <a:latin typeface="Calibri"/>
-                <a:cs typeface="Calibri"/>
-              </a:rPr>
-              <a:t>çalışır.</a:t>
-            </a:r>
-            <a:endParaRPr sz="2400">
-              <a:latin typeface="Calibri"/>
-              <a:cs typeface="Calibri"/>
-            </a:endParaRPr>
-          </a:p>
-        </p:txBody>
-      </p:sp>
-      <p:sp>
-        <p:nvSpPr>
-          <p:cNvPr id="4" name="object 4"/>
-          <p:cNvSpPr txBox="1"/>
-          <p:nvPr/>
-        </p:nvSpPr>
-        <p:spPr>
-          <a:xfrm>
-            <a:off x="4729353" y="297941"/>
-            <a:ext cx="196215" cy="208279"/>
-          </a:xfrm>
-          <a:prstGeom prst="rect">
-            <a:avLst/>
-          </a:prstGeom>
-        </p:spPr>
-        <p:txBody>
-          <a:bodyPr vert="horz" wrap="square" lIns="0" tIns="12700" rIns="0" bIns="0" rtlCol="0">
-            <a:spAutoFit/>
-          </a:bodyPr>
-          <a:lstStyle/>
-          <a:p>
-            <a:pPr marL="12700">
-              <a:lnSpc>
-                <a:spcPct val="100000"/>
-              </a:lnSpc>
-              <a:spcBef>
-                <a:spcPts val="100"/>
-              </a:spcBef>
-            </a:pPr>
-            <a:r>
-              <a:rPr sz="1200" spc="-5" dirty="0">
-                <a:solidFill>
-                  <a:srgbClr val="FDFDFD"/>
-                </a:solidFill>
-                <a:latin typeface="Arial"/>
-                <a:cs typeface="Arial"/>
-              </a:rPr>
-              <a:t>58</a:t>
-            </a:r>
-            <a:endParaRPr sz="1200">
-              <a:latin typeface="Arial"/>
-              <a:cs typeface="Arial"/>
-            </a:endParaRPr>
-          </a:p>
-        </p:txBody>
-      </p:sp>
-    </p:spTree>
-  </p:cSld>
-  <p:clrMapOvr>
-    <a:masterClrMapping/>
-  </p:clrMapOvr>
-</p:sld>
-</file>
-
-<file path=ppt/slides/slide12.xml><?xml version="1.0" encoding="utf-8"?>
-<p:sld xmlns:a="http://schemas.openxmlformats.org/drawingml/2006/main" xmlns:r="http://schemas.openxmlformats.org/officeDocument/2006/relationships" xmlns:p="http://schemas.openxmlformats.org/presentationml/2006/main">
-  <p:cSld>
-    <p:spTree>
-      <p:nvGrpSpPr>
-        <p:cNvPr id="1" name=""/>
-        <p:cNvGrpSpPr/>
-        <p:nvPr/>
-      </p:nvGrpSpPr>
-      <p:grpSpPr>
-        <a:xfrm>
-          <a:off x="0" y="0"/>
-          <a:ext cx="0" cy="0"/>
-          <a:chOff x="0" y="0"/>
-          <a:chExt cx="0" cy="0"/>
-        </a:xfrm>
-      </p:grpSpPr>
-      <p:sp>
-        <p:nvSpPr>
-          <p:cNvPr id="2" name="object 2"/>
-          <p:cNvSpPr txBox="1">
-            <a:spLocks noGrp="1"/>
-          </p:cNvSpPr>
-          <p:nvPr>
-            <p:ph type="title"/>
-          </p:nvPr>
-        </p:nvSpPr>
-        <p:spPr>
-          <a:xfrm>
-            <a:off x="1122070" y="1110741"/>
-            <a:ext cx="3764915" cy="513715"/>
-          </a:xfrm>
-          <a:prstGeom prst="rect">
-            <a:avLst/>
-          </a:prstGeom>
-        </p:spPr>
-        <p:txBody>
-          <a:bodyPr vert="horz" wrap="square" lIns="0" tIns="13335" rIns="0" bIns="0" rtlCol="0">
-            <a:spAutoFit/>
-          </a:bodyPr>
-          <a:lstStyle/>
-          <a:p>
-            <a:pPr marL="12700">
-              <a:lnSpc>
-                <a:spcPct val="100000"/>
-              </a:lnSpc>
-              <a:spcBef>
-                <a:spcPts val="105"/>
-              </a:spcBef>
-            </a:pPr>
-            <a:r>
-              <a:rPr spc="-5" dirty="0"/>
-              <a:t>Yinelemelerin</a:t>
-            </a:r>
-            <a:r>
-              <a:rPr spc="-90" dirty="0"/>
-              <a:t> </a:t>
-            </a:r>
-            <a:r>
-              <a:rPr spc="-10" dirty="0"/>
-              <a:t>çözümü</a:t>
-            </a:r>
-          </a:p>
-        </p:txBody>
-      </p:sp>
-      <p:sp>
-        <p:nvSpPr>
-          <p:cNvPr id="3" name="object 3"/>
-          <p:cNvSpPr txBox="1"/>
-          <p:nvPr/>
-        </p:nvSpPr>
-        <p:spPr>
-          <a:xfrm>
-            <a:off x="1192174" y="1932813"/>
-            <a:ext cx="6598284" cy="3404235"/>
-          </a:xfrm>
-          <a:prstGeom prst="rect">
-            <a:avLst/>
-          </a:prstGeom>
-        </p:spPr>
-        <p:txBody>
-          <a:bodyPr vert="horz" wrap="square" lIns="0" tIns="13335" rIns="0" bIns="0" rtlCol="0">
-            <a:spAutoFit/>
-          </a:bodyPr>
-          <a:lstStyle/>
-          <a:p>
-            <a:pPr marL="285115" marR="5080" indent="-273050">
-              <a:lnSpc>
-                <a:spcPct val="100000"/>
-              </a:lnSpc>
-              <a:spcBef>
-                <a:spcPts val="105"/>
-              </a:spcBef>
-            </a:pPr>
-            <a:r>
-              <a:rPr sz="1500" spc="-145" dirty="0">
-                <a:solidFill>
-                  <a:srgbClr val="AC0000"/>
-                </a:solidFill>
-                <a:latin typeface="Wingdings"/>
-                <a:cs typeface="Wingdings"/>
-              </a:rPr>
-              <a:t></a:t>
-            </a:r>
-            <a:r>
-              <a:rPr sz="1500" spc="-145" dirty="0">
-                <a:solidFill>
-                  <a:srgbClr val="AC0000"/>
-                </a:solidFill>
-                <a:latin typeface="Times New Roman"/>
-                <a:cs typeface="Times New Roman"/>
-              </a:rPr>
-              <a:t> </a:t>
-            </a:r>
-            <a:r>
-              <a:rPr sz="2000" spc="-10" dirty="0">
-                <a:solidFill>
-                  <a:srgbClr val="2F2F2F"/>
-                </a:solidFill>
-                <a:latin typeface="Calibri"/>
-                <a:cs typeface="Calibri"/>
-              </a:rPr>
-              <a:t>Yinelemeler entegral, </a:t>
-            </a:r>
-            <a:r>
-              <a:rPr sz="2000" spc="-35" dirty="0">
-                <a:solidFill>
-                  <a:srgbClr val="2F2F2F"/>
-                </a:solidFill>
-                <a:latin typeface="Calibri"/>
-                <a:cs typeface="Calibri"/>
-              </a:rPr>
-              <a:t>türev, </a:t>
-            </a:r>
-            <a:r>
-              <a:rPr sz="2000" spc="-45" dirty="0">
-                <a:solidFill>
-                  <a:srgbClr val="2F2F2F"/>
-                </a:solidFill>
-                <a:latin typeface="Calibri"/>
-                <a:cs typeface="Calibri"/>
-              </a:rPr>
-              <a:t>v.s. </a:t>
-            </a:r>
-            <a:r>
-              <a:rPr sz="2000" dirty="0">
-                <a:solidFill>
-                  <a:srgbClr val="2F2F2F"/>
-                </a:solidFill>
-                <a:latin typeface="Calibri"/>
-                <a:cs typeface="Calibri"/>
-              </a:rPr>
-              <a:t>denklemlerinin </a:t>
-            </a:r>
-            <a:r>
-              <a:rPr sz="2000" spc="-5" dirty="0">
-                <a:solidFill>
-                  <a:srgbClr val="2F2F2F"/>
-                </a:solidFill>
-                <a:latin typeface="Calibri"/>
-                <a:cs typeface="Calibri"/>
-              </a:rPr>
-              <a:t>çözümlerine  </a:t>
-            </a:r>
-            <a:r>
-              <a:rPr sz="2000" spc="-40" dirty="0">
-                <a:solidFill>
-                  <a:srgbClr val="2F2F2F"/>
-                </a:solidFill>
-                <a:latin typeface="Calibri"/>
-                <a:cs typeface="Calibri"/>
-              </a:rPr>
-              <a:t>benzer. </a:t>
-            </a:r>
-            <a:r>
-              <a:rPr sz="2000" spc="-5" dirty="0">
-                <a:solidFill>
-                  <a:srgbClr val="2F2F2F"/>
-                </a:solidFill>
-                <a:latin typeface="Calibri"/>
-                <a:cs typeface="Calibri"/>
-              </a:rPr>
-              <a:t>Yinelemeleri çözmek </a:t>
-            </a:r>
-            <a:r>
-              <a:rPr sz="2000" spc="-10" dirty="0">
-                <a:solidFill>
-                  <a:srgbClr val="2F2F2F"/>
-                </a:solidFill>
-                <a:latin typeface="Calibri"/>
-                <a:cs typeface="Calibri"/>
-              </a:rPr>
-              <a:t>konusunda </a:t>
-            </a:r>
-            <a:r>
-              <a:rPr sz="2000" spc="-5" dirty="0">
-                <a:solidFill>
-                  <a:srgbClr val="2F2F2F"/>
-                </a:solidFill>
-                <a:latin typeface="Calibri"/>
-                <a:cs typeface="Calibri"/>
-              </a:rPr>
-              <a:t>kullanacağımız </a:t>
-            </a:r>
-            <a:r>
-              <a:rPr sz="2000" dirty="0">
-                <a:solidFill>
-                  <a:srgbClr val="2F2F2F"/>
-                </a:solidFill>
-                <a:latin typeface="Calibri"/>
-                <a:cs typeface="Calibri"/>
-              </a:rPr>
-              <a:t>3 ana  </a:t>
-            </a:r>
-            <a:r>
-              <a:rPr sz="2000" spc="-15" dirty="0">
-                <a:solidFill>
-                  <a:srgbClr val="2F2F2F"/>
-                </a:solidFill>
-                <a:latin typeface="Calibri"/>
-                <a:cs typeface="Calibri"/>
-              </a:rPr>
-              <a:t>yöntem </a:t>
-            </a:r>
-            <a:r>
-              <a:rPr sz="2000" spc="-40" dirty="0">
-                <a:solidFill>
-                  <a:srgbClr val="2F2F2F"/>
-                </a:solidFill>
-                <a:latin typeface="Calibri"/>
-                <a:cs typeface="Calibri"/>
-              </a:rPr>
-              <a:t>vardır. </a:t>
-            </a:r>
-            <a:r>
-              <a:rPr sz="2000" dirty="0">
-                <a:solidFill>
-                  <a:srgbClr val="2F2F2F"/>
-                </a:solidFill>
-                <a:latin typeface="Calibri"/>
-                <a:cs typeface="Calibri"/>
-              </a:rPr>
-              <a:t>Bu</a:t>
-            </a:r>
-            <a:r>
-              <a:rPr sz="2000" spc="15" dirty="0">
-                <a:solidFill>
-                  <a:srgbClr val="2F2F2F"/>
-                </a:solidFill>
-                <a:latin typeface="Calibri"/>
-                <a:cs typeface="Calibri"/>
-              </a:rPr>
-              <a:t> </a:t>
-            </a:r>
-            <a:r>
-              <a:rPr sz="2000" spc="-10" dirty="0">
-                <a:solidFill>
-                  <a:srgbClr val="2F2F2F"/>
-                </a:solidFill>
-                <a:latin typeface="Calibri"/>
-                <a:cs typeface="Calibri"/>
-              </a:rPr>
-              <a:t>yöntemler;</a:t>
-            </a:r>
-            <a:endParaRPr sz="2000" dirty="0">
-              <a:latin typeface="Calibri"/>
-              <a:cs typeface="Calibri"/>
-            </a:endParaRPr>
-          </a:p>
-          <a:p>
-            <a:pPr>
-              <a:lnSpc>
-                <a:spcPct val="100000"/>
-              </a:lnSpc>
-              <a:spcBef>
-                <a:spcPts val="5"/>
-              </a:spcBef>
-            </a:pPr>
-            <a:endParaRPr sz="2750" dirty="0">
-              <a:latin typeface="Calibri"/>
-              <a:cs typeface="Calibri"/>
-            </a:endParaRPr>
-          </a:p>
-          <a:p>
-            <a:pPr marL="309245">
-              <a:lnSpc>
-                <a:spcPct val="100000"/>
-              </a:lnSpc>
-            </a:pPr>
-            <a:r>
-              <a:rPr sz="1500" spc="-145" dirty="0">
-                <a:solidFill>
-                  <a:srgbClr val="AC0000"/>
-                </a:solidFill>
-                <a:latin typeface="Wingdings"/>
-                <a:cs typeface="Wingdings"/>
-              </a:rPr>
-              <a:t></a:t>
-            </a:r>
-            <a:r>
-              <a:rPr sz="1500" spc="-145" dirty="0">
-                <a:solidFill>
-                  <a:srgbClr val="AC0000"/>
-                </a:solidFill>
-                <a:latin typeface="Times New Roman"/>
-                <a:cs typeface="Times New Roman"/>
-              </a:rPr>
-              <a:t> </a:t>
-            </a:r>
-            <a:r>
-              <a:rPr sz="2000" b="1" spc="-30" dirty="0">
-                <a:solidFill>
-                  <a:srgbClr val="2F2F2F"/>
-                </a:solidFill>
-                <a:latin typeface="Calibri"/>
-                <a:cs typeface="Calibri"/>
-              </a:rPr>
-              <a:t>Yerine </a:t>
-            </a:r>
-            <a:r>
-              <a:rPr sz="2000" b="1" spc="-15" dirty="0">
-                <a:solidFill>
-                  <a:srgbClr val="2F2F2F"/>
-                </a:solidFill>
-                <a:latin typeface="Calibri"/>
-                <a:cs typeface="Calibri"/>
-              </a:rPr>
-              <a:t>koyma </a:t>
-            </a:r>
-            <a:r>
-              <a:rPr sz="2000" b="1" spc="-10" dirty="0">
-                <a:solidFill>
-                  <a:srgbClr val="2F2F2F"/>
-                </a:solidFill>
-                <a:latin typeface="Calibri"/>
-                <a:cs typeface="Calibri"/>
-              </a:rPr>
-              <a:t>metodu</a:t>
-            </a:r>
-            <a:r>
-              <a:rPr sz="2000" b="1" spc="-135" dirty="0">
-                <a:solidFill>
-                  <a:srgbClr val="2F2F2F"/>
-                </a:solidFill>
-                <a:latin typeface="Calibri"/>
-                <a:cs typeface="Calibri"/>
-              </a:rPr>
-              <a:t> </a:t>
-            </a:r>
-            <a:r>
-              <a:rPr sz="2000" b="1" spc="-5" dirty="0">
-                <a:solidFill>
-                  <a:srgbClr val="2F2F2F"/>
-                </a:solidFill>
-                <a:latin typeface="Calibri"/>
-                <a:cs typeface="Calibri"/>
-              </a:rPr>
-              <a:t>(substitution)</a:t>
-            </a:r>
-            <a:endParaRPr sz="2000" dirty="0">
-              <a:latin typeface="Calibri"/>
-              <a:cs typeface="Calibri"/>
-            </a:endParaRPr>
-          </a:p>
-          <a:p>
-            <a:pPr marL="309245">
-              <a:lnSpc>
-                <a:spcPct val="100000"/>
-              </a:lnSpc>
-              <a:spcBef>
-                <a:spcPts val="480"/>
-              </a:spcBef>
-            </a:pPr>
-            <a:r>
-              <a:rPr sz="1500" spc="-140" dirty="0">
-                <a:solidFill>
-                  <a:srgbClr val="AC0000"/>
-                </a:solidFill>
-                <a:latin typeface="Wingdings"/>
-                <a:cs typeface="Wingdings"/>
-              </a:rPr>
-              <a:t></a:t>
-            </a:r>
-            <a:r>
-              <a:rPr sz="1500" spc="-140" dirty="0">
-                <a:solidFill>
-                  <a:srgbClr val="AC0000"/>
-                </a:solidFill>
-                <a:latin typeface="Times New Roman"/>
-                <a:cs typeface="Times New Roman"/>
-              </a:rPr>
-              <a:t> </a:t>
-            </a:r>
-            <a:r>
-              <a:rPr sz="2000" b="1" spc="-15" dirty="0">
-                <a:solidFill>
-                  <a:srgbClr val="2F2F2F"/>
-                </a:solidFill>
-                <a:latin typeface="Calibri"/>
-                <a:cs typeface="Calibri"/>
-              </a:rPr>
-              <a:t>İterasyon </a:t>
-            </a:r>
-            <a:r>
-              <a:rPr sz="2000" b="1" spc="-5" dirty="0">
-                <a:solidFill>
-                  <a:srgbClr val="2F2F2F"/>
-                </a:solidFill>
-                <a:latin typeface="Calibri"/>
-                <a:cs typeface="Calibri"/>
-              </a:rPr>
-              <a:t>(Yineleme) metodu </a:t>
-            </a:r>
-            <a:r>
-              <a:rPr sz="2000" b="1" spc="-15" dirty="0">
-                <a:solidFill>
-                  <a:srgbClr val="2F2F2F"/>
-                </a:solidFill>
-                <a:latin typeface="Calibri"/>
-                <a:cs typeface="Calibri"/>
-              </a:rPr>
-              <a:t>(iteration</a:t>
-            </a:r>
-            <a:r>
-              <a:rPr sz="2000" b="1" spc="65" dirty="0">
-                <a:solidFill>
-                  <a:srgbClr val="2F2F2F"/>
-                </a:solidFill>
-                <a:latin typeface="Calibri"/>
-                <a:cs typeface="Calibri"/>
-              </a:rPr>
-              <a:t> </a:t>
-            </a:r>
-            <a:r>
-              <a:rPr sz="2000" b="1" spc="-5" dirty="0">
-                <a:solidFill>
-                  <a:srgbClr val="2F2F2F"/>
-                </a:solidFill>
-                <a:latin typeface="Calibri"/>
-                <a:cs typeface="Calibri"/>
-              </a:rPr>
-              <a:t>metod)</a:t>
-            </a:r>
-            <a:endParaRPr sz="2000" dirty="0">
-              <a:latin typeface="Calibri"/>
-              <a:cs typeface="Calibri"/>
-            </a:endParaRPr>
-          </a:p>
-          <a:p>
-            <a:pPr marL="628015">
-              <a:lnSpc>
-                <a:spcPct val="100000"/>
-              </a:lnSpc>
-              <a:spcBef>
-                <a:spcPts val="440"/>
-              </a:spcBef>
-            </a:pPr>
-            <a:r>
-              <a:rPr sz="1350" spc="-135" dirty="0">
-                <a:solidFill>
-                  <a:srgbClr val="AC0000"/>
-                </a:solidFill>
-                <a:latin typeface="Wingdings"/>
-                <a:cs typeface="Wingdings"/>
-              </a:rPr>
-              <a:t></a:t>
-            </a:r>
-            <a:r>
-              <a:rPr sz="1350" spc="-135" dirty="0">
-                <a:solidFill>
-                  <a:srgbClr val="AC0000"/>
-                </a:solidFill>
-                <a:latin typeface="Times New Roman"/>
-                <a:cs typeface="Times New Roman"/>
-              </a:rPr>
-              <a:t> </a:t>
-            </a:r>
-            <a:r>
-              <a:rPr sz="1800" b="1" spc="-5" dirty="0">
-                <a:solidFill>
-                  <a:srgbClr val="2F2F2F"/>
-                </a:solidFill>
-                <a:latin typeface="Calibri"/>
-                <a:cs typeface="Calibri"/>
-              </a:rPr>
-              <a:t>Özyineleme </a:t>
-            </a:r>
-            <a:r>
-              <a:rPr sz="1800" b="1" spc="-10" dirty="0">
-                <a:solidFill>
-                  <a:srgbClr val="2F2F2F"/>
-                </a:solidFill>
-                <a:latin typeface="Calibri"/>
-                <a:cs typeface="Calibri"/>
-              </a:rPr>
-              <a:t>ağacı (recursion</a:t>
-            </a:r>
-            <a:r>
-              <a:rPr sz="1800" b="1" spc="-95" dirty="0">
-                <a:solidFill>
-                  <a:srgbClr val="2F2F2F"/>
-                </a:solidFill>
-                <a:latin typeface="Calibri"/>
-                <a:cs typeface="Calibri"/>
-              </a:rPr>
-              <a:t> </a:t>
-            </a:r>
-            <a:r>
-              <a:rPr sz="1800" b="1" spc="-5" dirty="0">
-                <a:solidFill>
-                  <a:srgbClr val="2F2F2F"/>
-                </a:solidFill>
-                <a:latin typeface="Calibri"/>
-                <a:cs typeface="Calibri"/>
-              </a:rPr>
-              <a:t>tree)</a:t>
-            </a:r>
-            <a:endParaRPr sz="1800" dirty="0">
-              <a:latin typeface="Calibri"/>
-              <a:cs typeface="Calibri"/>
-            </a:endParaRPr>
-          </a:p>
-          <a:p>
-            <a:pPr marL="309245">
-              <a:lnSpc>
-                <a:spcPct val="100000"/>
-              </a:lnSpc>
-              <a:spcBef>
-                <a:spcPts val="475"/>
-              </a:spcBef>
-            </a:pPr>
-            <a:r>
-              <a:rPr sz="1500" spc="-145" dirty="0">
-                <a:solidFill>
-                  <a:srgbClr val="AC0000"/>
-                </a:solidFill>
-                <a:latin typeface="Wingdings"/>
-                <a:cs typeface="Wingdings"/>
-              </a:rPr>
-              <a:t></a:t>
-            </a:r>
-            <a:r>
-              <a:rPr sz="1500" spc="-145" dirty="0">
-                <a:solidFill>
-                  <a:srgbClr val="AC0000"/>
-                </a:solidFill>
-                <a:latin typeface="Times New Roman"/>
-                <a:cs typeface="Times New Roman"/>
-              </a:rPr>
-              <a:t> </a:t>
-            </a:r>
-            <a:r>
-              <a:rPr sz="2000" b="1" dirty="0">
-                <a:solidFill>
-                  <a:srgbClr val="2F2F2F"/>
-                </a:solidFill>
-                <a:latin typeface="Calibri"/>
-                <a:cs typeface="Calibri"/>
-              </a:rPr>
-              <a:t>Ana </a:t>
-            </a:r>
-            <a:r>
-              <a:rPr sz="2000" b="1" spc="-10" dirty="0">
-                <a:solidFill>
-                  <a:srgbClr val="2F2F2F"/>
-                </a:solidFill>
-                <a:latin typeface="Calibri"/>
-                <a:cs typeface="Calibri"/>
-              </a:rPr>
-              <a:t>Metot (Master</a:t>
-            </a:r>
-            <a:r>
-              <a:rPr sz="2000" b="1" spc="-160" dirty="0">
-                <a:solidFill>
-                  <a:srgbClr val="2F2F2F"/>
-                </a:solidFill>
-                <a:latin typeface="Calibri"/>
-                <a:cs typeface="Calibri"/>
-              </a:rPr>
-              <a:t> </a:t>
-            </a:r>
-            <a:r>
-              <a:rPr sz="2000" b="1" spc="-5" dirty="0">
-                <a:solidFill>
-                  <a:srgbClr val="2F2F2F"/>
-                </a:solidFill>
-                <a:latin typeface="Calibri"/>
-                <a:cs typeface="Calibri"/>
-              </a:rPr>
-              <a:t>metod)</a:t>
-            </a:r>
-            <a:endParaRPr sz="2000" dirty="0">
-              <a:latin typeface="Calibri"/>
-              <a:cs typeface="Calibri"/>
-            </a:endParaRPr>
-          </a:p>
-          <a:p>
-            <a:pPr marL="309245">
-              <a:lnSpc>
-                <a:spcPct val="100000"/>
-              </a:lnSpc>
-              <a:spcBef>
-                <a:spcPts val="480"/>
-              </a:spcBef>
-            </a:pPr>
-            <a:r>
-              <a:rPr sz="1500" spc="-145" dirty="0">
-                <a:solidFill>
-                  <a:srgbClr val="AC0000"/>
-                </a:solidFill>
-                <a:latin typeface="Wingdings"/>
-                <a:cs typeface="Wingdings"/>
-              </a:rPr>
-              <a:t></a:t>
-            </a:r>
-            <a:r>
-              <a:rPr sz="1500" spc="-145" dirty="0">
-                <a:solidFill>
-                  <a:srgbClr val="AC0000"/>
-                </a:solidFill>
-                <a:latin typeface="Times New Roman"/>
-                <a:cs typeface="Times New Roman"/>
-              </a:rPr>
-              <a:t> </a:t>
-            </a:r>
-            <a:r>
-              <a:rPr sz="2000" dirty="0">
-                <a:solidFill>
-                  <a:srgbClr val="2F2F2F"/>
-                </a:solidFill>
-                <a:latin typeface="Calibri"/>
-                <a:cs typeface="Calibri"/>
-              </a:rPr>
-              <a:t>Ana </a:t>
-            </a:r>
-            <a:r>
-              <a:rPr sz="2000" spc="-10" dirty="0">
-                <a:solidFill>
-                  <a:srgbClr val="2F2F2F"/>
-                </a:solidFill>
-                <a:latin typeface="Calibri"/>
-                <a:cs typeface="Calibri"/>
-              </a:rPr>
-              <a:t>yöntemlerin </a:t>
-            </a:r>
-            <a:r>
-              <a:rPr sz="2000" spc="-5" dirty="0">
-                <a:solidFill>
-                  <a:srgbClr val="2F2F2F"/>
-                </a:solidFill>
-                <a:latin typeface="Calibri"/>
-                <a:cs typeface="Calibri"/>
-              </a:rPr>
-              <a:t>dışında </a:t>
-            </a:r>
-            <a:r>
-              <a:rPr sz="2000" spc="-10" dirty="0">
-                <a:solidFill>
-                  <a:srgbClr val="2F2F2F"/>
-                </a:solidFill>
-                <a:latin typeface="Calibri"/>
-                <a:cs typeface="Calibri"/>
-              </a:rPr>
-              <a:t>tekrarlı </a:t>
-            </a:r>
-            <a:r>
-              <a:rPr sz="2000" spc="-5" dirty="0">
-                <a:solidFill>
-                  <a:srgbClr val="2F2F2F"/>
-                </a:solidFill>
-                <a:latin typeface="Calibri"/>
-                <a:cs typeface="Calibri"/>
-              </a:rPr>
-              <a:t>bağıntılar</a:t>
-            </a:r>
-            <a:r>
-              <a:rPr sz="2000" spc="-40" dirty="0">
-                <a:solidFill>
-                  <a:srgbClr val="2F2F2F"/>
-                </a:solidFill>
-                <a:latin typeface="Calibri"/>
-                <a:cs typeface="Calibri"/>
-              </a:rPr>
-              <a:t> </a:t>
-            </a:r>
-            <a:r>
-              <a:rPr sz="2000" b="1" spc="-15" dirty="0">
-                <a:solidFill>
-                  <a:srgbClr val="2F2F2F"/>
-                </a:solidFill>
-                <a:latin typeface="Calibri"/>
-                <a:cs typeface="Calibri"/>
-              </a:rPr>
-              <a:t>Karakteristik</a:t>
-            </a:r>
-            <a:endParaRPr sz="2000" dirty="0">
-              <a:latin typeface="Calibri"/>
-              <a:cs typeface="Calibri"/>
-            </a:endParaRPr>
-          </a:p>
-          <a:p>
-            <a:pPr marL="582295">
-              <a:lnSpc>
-                <a:spcPct val="100000"/>
-              </a:lnSpc>
-            </a:pPr>
-            <a:r>
-              <a:rPr sz="2000" b="1" dirty="0">
-                <a:solidFill>
-                  <a:srgbClr val="2F2F2F"/>
-                </a:solidFill>
-                <a:latin typeface="Calibri"/>
-                <a:cs typeface="Calibri"/>
-              </a:rPr>
-              <a:t>denklemler </a:t>
-            </a:r>
-            <a:r>
-              <a:rPr sz="2000" b="1" spc="-10" dirty="0">
-                <a:solidFill>
-                  <a:srgbClr val="2F2F2F"/>
-                </a:solidFill>
-                <a:latin typeface="Calibri"/>
-                <a:cs typeface="Calibri"/>
-              </a:rPr>
-              <a:t>kullanarak</a:t>
-            </a:r>
-            <a:r>
-              <a:rPr sz="2000" b="1" spc="-35" dirty="0">
-                <a:solidFill>
-                  <a:srgbClr val="2F2F2F"/>
-                </a:solidFill>
-                <a:latin typeface="Calibri"/>
-                <a:cs typeface="Calibri"/>
-              </a:rPr>
-              <a:t> </a:t>
-            </a:r>
-            <a:r>
-              <a:rPr sz="2000" spc="-25" dirty="0">
-                <a:solidFill>
-                  <a:srgbClr val="2F2F2F"/>
-                </a:solidFill>
-                <a:latin typeface="Calibri"/>
-                <a:cs typeface="Calibri"/>
-              </a:rPr>
-              <a:t>çözülebilir.</a:t>
-            </a:r>
-            <a:endParaRPr sz="2000" dirty="0">
-              <a:latin typeface="Calibri"/>
-              <a:cs typeface="Calibri"/>
-            </a:endParaRPr>
-          </a:p>
-        </p:txBody>
-      </p:sp>
-      <p:sp>
-        <p:nvSpPr>
-          <p:cNvPr id="4" name="object 4"/>
-          <p:cNvSpPr txBox="1"/>
-          <p:nvPr/>
-        </p:nvSpPr>
-        <p:spPr>
-          <a:xfrm>
-            <a:off x="4729353" y="297941"/>
-            <a:ext cx="196215" cy="208279"/>
-          </a:xfrm>
-          <a:prstGeom prst="rect">
-            <a:avLst/>
-          </a:prstGeom>
-        </p:spPr>
-        <p:txBody>
-          <a:bodyPr vert="horz" wrap="square" lIns="0" tIns="12700" rIns="0" bIns="0" rtlCol="0">
-            <a:spAutoFit/>
-          </a:bodyPr>
-          <a:lstStyle/>
-          <a:p>
-            <a:pPr marL="12700">
-              <a:lnSpc>
-                <a:spcPct val="100000"/>
-              </a:lnSpc>
-              <a:spcBef>
-                <a:spcPts val="100"/>
-              </a:spcBef>
-            </a:pPr>
-            <a:r>
-              <a:rPr sz="1200" spc="-5" dirty="0">
-                <a:solidFill>
-                  <a:srgbClr val="FDFDFD"/>
-                </a:solidFill>
-                <a:latin typeface="Arial"/>
-                <a:cs typeface="Arial"/>
-              </a:rPr>
-              <a:t>59</a:t>
-            </a:r>
-            <a:endParaRPr sz="1200">
-              <a:latin typeface="Arial"/>
-              <a:cs typeface="Arial"/>
-            </a:endParaRPr>
-          </a:p>
-        </p:txBody>
-      </p:sp>
-    </p:spTree>
-  </p:cSld>
-  <p:clrMapOvr>
-    <a:masterClrMapping/>
-  </p:clrMapOvr>
-</p:sld>
-</file>
-
-<file path=ppt/slides/slide13.xml><?xml version="1.0" encoding="utf-8"?>
-<p:sld xmlns:a="http://schemas.openxmlformats.org/drawingml/2006/main" xmlns:r="http://schemas.openxmlformats.org/officeDocument/2006/relationships" xmlns:p="http://schemas.openxmlformats.org/presentationml/2006/main">
-  <p:cSld>
-    <p:spTree>
-      <p:nvGrpSpPr>
-        <p:cNvPr id="1" name=""/>
-        <p:cNvGrpSpPr/>
-        <p:nvPr/>
-      </p:nvGrpSpPr>
-      <p:grpSpPr>
-        <a:xfrm>
-          <a:off x="0" y="0"/>
-          <a:ext cx="0" cy="0"/>
-          <a:chOff x="0" y="0"/>
-          <a:chExt cx="0" cy="0"/>
-        </a:xfrm>
-      </p:grpSpPr>
-      <p:sp>
-        <p:nvSpPr>
-          <p:cNvPr id="2" name="object 2"/>
-          <p:cNvSpPr txBox="1">
-            <a:spLocks noGrp="1"/>
-          </p:cNvSpPr>
-          <p:nvPr>
-            <p:ph type="title"/>
-          </p:nvPr>
-        </p:nvSpPr>
-        <p:spPr>
-          <a:xfrm>
-            <a:off x="1122070" y="1110741"/>
-            <a:ext cx="4411345" cy="513715"/>
-          </a:xfrm>
-          <a:prstGeom prst="rect">
-            <a:avLst/>
-          </a:prstGeom>
-        </p:spPr>
-        <p:txBody>
-          <a:bodyPr vert="horz" wrap="square" lIns="0" tIns="13335" rIns="0" bIns="0" rtlCol="0">
-            <a:spAutoFit/>
-          </a:bodyPr>
-          <a:lstStyle/>
-          <a:p>
-            <a:pPr marL="12700">
-              <a:lnSpc>
-                <a:spcPct val="100000"/>
-              </a:lnSpc>
-              <a:spcBef>
-                <a:spcPts val="105"/>
-              </a:spcBef>
-            </a:pPr>
-            <a:r>
-              <a:rPr spc="-10" dirty="0"/>
-              <a:t>Özyineleme-ağacı</a:t>
-            </a:r>
-            <a:r>
-              <a:rPr spc="-25" dirty="0"/>
-              <a:t> </a:t>
-            </a:r>
-            <a:r>
-              <a:rPr spc="-15" dirty="0"/>
-              <a:t>metodu</a:t>
-            </a:r>
-          </a:p>
-        </p:txBody>
-      </p:sp>
-      <p:sp>
-        <p:nvSpPr>
-          <p:cNvPr id="3" name="object 3"/>
-          <p:cNvSpPr txBox="1"/>
-          <p:nvPr/>
-        </p:nvSpPr>
-        <p:spPr>
-          <a:xfrm>
-            <a:off x="1192174" y="2340991"/>
-            <a:ext cx="6470015" cy="3982085"/>
-          </a:xfrm>
-          <a:prstGeom prst="rect">
-            <a:avLst/>
-          </a:prstGeom>
-        </p:spPr>
-        <p:txBody>
-          <a:bodyPr vert="horz" wrap="square" lIns="0" tIns="12065" rIns="0" bIns="0" rtlCol="0">
-            <a:spAutoFit/>
-          </a:bodyPr>
-          <a:lstStyle/>
-          <a:p>
-            <a:pPr marL="285115" marR="365125" indent="-273050" algn="just">
-              <a:lnSpc>
-                <a:spcPct val="100000"/>
-              </a:lnSpc>
-              <a:spcBef>
-                <a:spcPts val="95"/>
-              </a:spcBef>
-            </a:pPr>
-            <a:r>
-              <a:rPr sz="1650" spc="-165" dirty="0">
-                <a:solidFill>
-                  <a:srgbClr val="AC0000"/>
-                </a:solidFill>
-                <a:latin typeface="Wingdings"/>
-                <a:cs typeface="Wingdings"/>
-              </a:rPr>
-              <a:t></a:t>
-            </a:r>
-            <a:r>
-              <a:rPr sz="1650" spc="-165" dirty="0">
-                <a:solidFill>
-                  <a:srgbClr val="AC0000"/>
-                </a:solidFill>
-                <a:latin typeface="Times New Roman"/>
-                <a:cs typeface="Times New Roman"/>
-              </a:rPr>
-              <a:t> </a:t>
-            </a:r>
-            <a:r>
-              <a:rPr sz="2200" spc="-20" dirty="0">
-                <a:solidFill>
-                  <a:srgbClr val="2F2F2F"/>
-                </a:solidFill>
-                <a:latin typeface="Calibri"/>
-                <a:cs typeface="Calibri"/>
-              </a:rPr>
-              <a:t>İterasyon </a:t>
-            </a:r>
-            <a:r>
-              <a:rPr sz="2200" spc="-15" dirty="0">
-                <a:solidFill>
-                  <a:srgbClr val="2F2F2F"/>
-                </a:solidFill>
-                <a:latin typeface="Calibri"/>
-                <a:cs typeface="Calibri"/>
-              </a:rPr>
-              <a:t>yönteminin çözüm </a:t>
-            </a:r>
-            <a:r>
-              <a:rPr sz="2200" spc="-5" dirty="0">
-                <a:solidFill>
-                  <a:srgbClr val="2F2F2F"/>
-                </a:solidFill>
-                <a:latin typeface="Calibri"/>
-                <a:cs typeface="Calibri"/>
-              </a:rPr>
-              <a:t>adımları </a:t>
-            </a:r>
-            <a:r>
-              <a:rPr sz="2200" spc="-15" dirty="0">
-                <a:solidFill>
-                  <a:srgbClr val="2F2F2F"/>
-                </a:solidFill>
-                <a:latin typeface="Calibri"/>
-                <a:cs typeface="Calibri"/>
-              </a:rPr>
-              <a:t>ağaç </a:t>
-            </a:r>
-            <a:r>
-              <a:rPr sz="2200" spc="-10" dirty="0">
-                <a:solidFill>
-                  <a:srgbClr val="2F2F2F"/>
-                </a:solidFill>
-                <a:latin typeface="Calibri"/>
-                <a:cs typeface="Calibri"/>
-              </a:rPr>
-              <a:t>şeklinde  gösterilebilir </a:t>
-            </a:r>
-            <a:r>
-              <a:rPr sz="2200" spc="-15" dirty="0">
-                <a:solidFill>
-                  <a:srgbClr val="2F2F2F"/>
-                </a:solidFill>
-                <a:latin typeface="Calibri"/>
-                <a:cs typeface="Calibri"/>
-              </a:rPr>
-              <a:t>ve </a:t>
-            </a:r>
-            <a:r>
-              <a:rPr sz="2200" spc="-5" dirty="0">
-                <a:solidFill>
-                  <a:srgbClr val="2F2F2F"/>
-                </a:solidFill>
-                <a:latin typeface="Calibri"/>
-                <a:cs typeface="Calibri"/>
-              </a:rPr>
-              <a:t>elde edilen </a:t>
-            </a:r>
-            <a:r>
-              <a:rPr sz="2200" spc="-15" dirty="0">
-                <a:solidFill>
-                  <a:srgbClr val="2F2F2F"/>
-                </a:solidFill>
-                <a:latin typeface="Calibri"/>
-                <a:cs typeface="Calibri"/>
-              </a:rPr>
-              <a:t>ağaca </a:t>
-            </a:r>
-            <a:r>
-              <a:rPr sz="2200" spc="-10" dirty="0">
-                <a:solidFill>
-                  <a:srgbClr val="2F2F2F"/>
-                </a:solidFill>
-                <a:latin typeface="Calibri"/>
-                <a:cs typeface="Calibri"/>
-              </a:rPr>
-              <a:t>Özyineleme-ağacı  denir</a:t>
-            </a:r>
-            <a:endParaRPr sz="2200">
-              <a:latin typeface="Calibri"/>
-              <a:cs typeface="Calibri"/>
-            </a:endParaRPr>
-          </a:p>
-          <a:p>
-            <a:pPr marL="285115" marR="767715" indent="-273050" algn="just">
-              <a:lnSpc>
-                <a:spcPct val="100000"/>
-              </a:lnSpc>
-              <a:spcBef>
-                <a:spcPts val="530"/>
-              </a:spcBef>
-            </a:pPr>
-            <a:r>
-              <a:rPr sz="1650" spc="-165" dirty="0">
-                <a:solidFill>
-                  <a:srgbClr val="AC0000"/>
-                </a:solidFill>
-                <a:latin typeface="Wingdings"/>
-                <a:cs typeface="Wingdings"/>
-              </a:rPr>
-              <a:t></a:t>
-            </a:r>
-            <a:r>
-              <a:rPr sz="1650" spc="-165" dirty="0">
-                <a:solidFill>
-                  <a:srgbClr val="AC0000"/>
-                </a:solidFill>
-                <a:latin typeface="Times New Roman"/>
-                <a:cs typeface="Times New Roman"/>
-              </a:rPr>
-              <a:t> </a:t>
-            </a:r>
-            <a:r>
-              <a:rPr sz="2200" spc="-10" dirty="0">
-                <a:solidFill>
-                  <a:srgbClr val="2F2F2F"/>
-                </a:solidFill>
-                <a:latin typeface="Calibri"/>
-                <a:cs typeface="Calibri"/>
-              </a:rPr>
-              <a:t>Özyineleme-ağacı, </a:t>
-            </a:r>
-            <a:r>
-              <a:rPr sz="2200" spc="-5" dirty="0">
-                <a:solidFill>
-                  <a:srgbClr val="2F2F2F"/>
-                </a:solidFill>
-                <a:latin typeface="Calibri"/>
-                <a:cs typeface="Calibri"/>
-              </a:rPr>
-              <a:t>bir algoritmadaki </a:t>
-            </a:r>
-            <a:r>
-              <a:rPr sz="2200" spc="-10" dirty="0">
-                <a:solidFill>
-                  <a:srgbClr val="2F2F2F"/>
-                </a:solidFill>
-                <a:latin typeface="Calibri"/>
-                <a:cs typeface="Calibri"/>
-              </a:rPr>
-              <a:t>özyineleme  </a:t>
-            </a:r>
-            <a:r>
-              <a:rPr sz="2200" spc="-5" dirty="0">
-                <a:solidFill>
-                  <a:srgbClr val="2F2F2F"/>
-                </a:solidFill>
-                <a:latin typeface="Calibri"/>
-                <a:cs typeface="Calibri"/>
-              </a:rPr>
-              <a:t>uygulamasının </a:t>
-            </a:r>
-            <a:r>
-              <a:rPr sz="2200" spc="-10" dirty="0">
-                <a:solidFill>
-                  <a:srgbClr val="2F2F2F"/>
-                </a:solidFill>
-                <a:latin typeface="Calibri"/>
-                <a:cs typeface="Calibri"/>
-              </a:rPr>
-              <a:t>maliyetini (zamanı)</a:t>
-            </a:r>
-            <a:r>
-              <a:rPr sz="2200" spc="-20" dirty="0">
-                <a:solidFill>
-                  <a:srgbClr val="2F2F2F"/>
-                </a:solidFill>
-                <a:latin typeface="Calibri"/>
-                <a:cs typeface="Calibri"/>
-              </a:rPr>
-              <a:t> </a:t>
-            </a:r>
-            <a:r>
-              <a:rPr sz="2200" spc="-30" dirty="0">
-                <a:solidFill>
-                  <a:srgbClr val="2F2F2F"/>
-                </a:solidFill>
-                <a:latin typeface="Calibri"/>
-                <a:cs typeface="Calibri"/>
-              </a:rPr>
-              <a:t>modeller.</a:t>
-            </a:r>
-            <a:endParaRPr sz="2200">
-              <a:latin typeface="Calibri"/>
-              <a:cs typeface="Calibri"/>
-            </a:endParaRPr>
-          </a:p>
-          <a:p>
-            <a:pPr marL="12700" algn="just">
-              <a:lnSpc>
-                <a:spcPct val="100000"/>
-              </a:lnSpc>
-              <a:spcBef>
-                <a:spcPts val="525"/>
-              </a:spcBef>
-            </a:pPr>
-            <a:r>
-              <a:rPr sz="1650" spc="-165" dirty="0">
-                <a:solidFill>
-                  <a:srgbClr val="AC0000"/>
-                </a:solidFill>
-                <a:latin typeface="Wingdings"/>
-                <a:cs typeface="Wingdings"/>
-              </a:rPr>
-              <a:t></a:t>
-            </a:r>
-            <a:r>
-              <a:rPr sz="1650" spc="-165" dirty="0">
-                <a:solidFill>
-                  <a:srgbClr val="AC0000"/>
-                </a:solidFill>
-                <a:latin typeface="Times New Roman"/>
-                <a:cs typeface="Times New Roman"/>
-              </a:rPr>
-              <a:t> </a:t>
-            </a:r>
-            <a:r>
-              <a:rPr sz="2200" spc="-10" dirty="0">
-                <a:solidFill>
-                  <a:srgbClr val="2F2F2F"/>
-                </a:solidFill>
-                <a:latin typeface="Calibri"/>
-                <a:cs typeface="Calibri"/>
-              </a:rPr>
-              <a:t>Özyineleme-ağacı </a:t>
-            </a:r>
-            <a:r>
-              <a:rPr sz="2200" spc="-15" dirty="0">
-                <a:solidFill>
-                  <a:srgbClr val="2F2F2F"/>
-                </a:solidFill>
-                <a:latin typeface="Calibri"/>
-                <a:cs typeface="Calibri"/>
-              </a:rPr>
-              <a:t>metodu, </a:t>
-            </a:r>
-            <a:r>
-              <a:rPr sz="2200" spc="-10" dirty="0">
-                <a:solidFill>
-                  <a:srgbClr val="2F2F2F"/>
-                </a:solidFill>
-                <a:latin typeface="Calibri"/>
-                <a:cs typeface="Calibri"/>
-              </a:rPr>
-              <a:t>diğer </a:t>
-            </a:r>
-            <a:r>
-              <a:rPr sz="2200" spc="-15" dirty="0">
-                <a:solidFill>
-                  <a:srgbClr val="2F2F2F"/>
-                </a:solidFill>
-                <a:latin typeface="Calibri"/>
-                <a:cs typeface="Calibri"/>
-              </a:rPr>
-              <a:t>yöntemler</a:t>
-            </a:r>
-            <a:r>
-              <a:rPr sz="2200" spc="60" dirty="0">
-                <a:solidFill>
-                  <a:srgbClr val="2F2F2F"/>
-                </a:solidFill>
-                <a:latin typeface="Calibri"/>
-                <a:cs typeface="Calibri"/>
-              </a:rPr>
-              <a:t> </a:t>
-            </a:r>
-            <a:r>
-              <a:rPr sz="2200" spc="-5" dirty="0">
-                <a:solidFill>
-                  <a:srgbClr val="2F2F2F"/>
-                </a:solidFill>
-                <a:latin typeface="Calibri"/>
-                <a:cs typeface="Calibri"/>
-              </a:rPr>
-              <a:t>gibi,</a:t>
-            </a:r>
-            <a:endParaRPr sz="2200">
-              <a:latin typeface="Calibri"/>
-              <a:cs typeface="Calibri"/>
-            </a:endParaRPr>
-          </a:p>
-          <a:p>
-            <a:pPr marL="285115" algn="just">
-              <a:lnSpc>
-                <a:spcPct val="100000"/>
-              </a:lnSpc>
-              <a:spcBef>
-                <a:spcPts val="5"/>
-              </a:spcBef>
-            </a:pPr>
-            <a:r>
-              <a:rPr sz="2200" spc="-5" dirty="0">
-                <a:solidFill>
-                  <a:srgbClr val="2F2F2F"/>
-                </a:solidFill>
-                <a:latin typeface="Calibri"/>
-                <a:cs typeface="Calibri"/>
-              </a:rPr>
-              <a:t>güvenilir</a:t>
-            </a:r>
-            <a:r>
-              <a:rPr sz="2200" spc="-25" dirty="0">
-                <a:solidFill>
-                  <a:srgbClr val="2F2F2F"/>
-                </a:solidFill>
-                <a:latin typeface="Calibri"/>
-                <a:cs typeface="Calibri"/>
-              </a:rPr>
-              <a:t> </a:t>
-            </a:r>
-            <a:r>
-              <a:rPr sz="2200" spc="-30" dirty="0">
-                <a:solidFill>
-                  <a:srgbClr val="2F2F2F"/>
-                </a:solidFill>
-                <a:latin typeface="Calibri"/>
-                <a:cs typeface="Calibri"/>
-              </a:rPr>
-              <a:t>olmayabilir.</a:t>
-            </a:r>
-            <a:endParaRPr sz="2200">
-              <a:latin typeface="Calibri"/>
-              <a:cs typeface="Calibri"/>
-            </a:endParaRPr>
-          </a:p>
-          <a:p>
-            <a:pPr marL="285115" marR="792480" indent="-273050">
-              <a:lnSpc>
-                <a:spcPct val="100000"/>
-              </a:lnSpc>
-              <a:spcBef>
-                <a:spcPts val="530"/>
-              </a:spcBef>
-            </a:pPr>
-            <a:r>
-              <a:rPr sz="1650" spc="-165" dirty="0">
-                <a:solidFill>
-                  <a:srgbClr val="AC0000"/>
-                </a:solidFill>
-                <a:latin typeface="Wingdings"/>
-                <a:cs typeface="Wingdings"/>
-              </a:rPr>
-              <a:t></a:t>
-            </a:r>
-            <a:r>
-              <a:rPr sz="1650" spc="-165" dirty="0">
-                <a:solidFill>
-                  <a:srgbClr val="AC0000"/>
-                </a:solidFill>
-                <a:latin typeface="Times New Roman"/>
-                <a:cs typeface="Times New Roman"/>
-              </a:rPr>
-              <a:t> </a:t>
-            </a:r>
-            <a:r>
-              <a:rPr sz="2200" spc="-15" dirty="0">
-                <a:solidFill>
-                  <a:srgbClr val="2F2F2F"/>
-                </a:solidFill>
-                <a:latin typeface="Calibri"/>
-                <a:cs typeface="Calibri"/>
-              </a:rPr>
-              <a:t>Öte </a:t>
-            </a:r>
-            <a:r>
-              <a:rPr sz="2200" spc="-10" dirty="0">
-                <a:solidFill>
-                  <a:srgbClr val="2F2F2F"/>
-                </a:solidFill>
-                <a:latin typeface="Calibri"/>
-                <a:cs typeface="Calibri"/>
-              </a:rPr>
-              <a:t>yandan özyineleme-ağacı </a:t>
-            </a:r>
-            <a:r>
-              <a:rPr sz="2200" spc="-15" dirty="0">
-                <a:solidFill>
-                  <a:srgbClr val="2F2F2F"/>
-                </a:solidFill>
-                <a:latin typeface="Calibri"/>
-                <a:cs typeface="Calibri"/>
-              </a:rPr>
-              <a:t>metodu </a:t>
-            </a:r>
-            <a:r>
-              <a:rPr sz="2200" spc="-5" dirty="0">
-                <a:solidFill>
-                  <a:srgbClr val="2F2F2F"/>
-                </a:solidFill>
-                <a:latin typeface="Calibri"/>
-                <a:cs typeface="Calibri"/>
-              </a:rPr>
-              <a:t>"öngörü"  olgusunu </a:t>
-            </a:r>
-            <a:r>
-              <a:rPr sz="2200" spc="-30" dirty="0">
-                <a:solidFill>
-                  <a:srgbClr val="2F2F2F"/>
-                </a:solidFill>
-                <a:latin typeface="Calibri"/>
-                <a:cs typeface="Calibri"/>
-              </a:rPr>
-              <a:t>geliştirir.</a:t>
-            </a:r>
-            <a:endParaRPr sz="2200">
-              <a:latin typeface="Calibri"/>
-              <a:cs typeface="Calibri"/>
-            </a:endParaRPr>
-          </a:p>
-          <a:p>
-            <a:pPr marL="285115" marR="5080" indent="-273050">
-              <a:lnSpc>
-                <a:spcPct val="100000"/>
-              </a:lnSpc>
-              <a:spcBef>
-                <a:spcPts val="530"/>
-              </a:spcBef>
-            </a:pPr>
-            <a:r>
-              <a:rPr sz="1650" spc="-165" dirty="0">
-                <a:solidFill>
-                  <a:srgbClr val="AC0000"/>
-                </a:solidFill>
-                <a:latin typeface="Wingdings"/>
-                <a:cs typeface="Wingdings"/>
-              </a:rPr>
-              <a:t></a:t>
-            </a:r>
-            <a:r>
-              <a:rPr sz="1650" spc="-165" dirty="0">
-                <a:solidFill>
-                  <a:srgbClr val="AC0000"/>
-                </a:solidFill>
-                <a:latin typeface="Times New Roman"/>
-                <a:cs typeface="Times New Roman"/>
-              </a:rPr>
-              <a:t> </a:t>
-            </a:r>
-            <a:r>
-              <a:rPr sz="2200" spc="-10" dirty="0">
-                <a:solidFill>
-                  <a:srgbClr val="2F2F2F"/>
-                </a:solidFill>
-                <a:latin typeface="Calibri"/>
-                <a:cs typeface="Calibri"/>
-              </a:rPr>
-              <a:t>Özyineleme-ağacı </a:t>
-            </a:r>
-            <a:r>
-              <a:rPr sz="2200" spc="-15" dirty="0">
-                <a:solidFill>
-                  <a:srgbClr val="2F2F2F"/>
-                </a:solidFill>
-                <a:latin typeface="Calibri"/>
-                <a:cs typeface="Calibri"/>
-              </a:rPr>
-              <a:t>metodu </a:t>
-            </a:r>
-            <a:r>
-              <a:rPr sz="2200" spc="-10" dirty="0">
-                <a:solidFill>
-                  <a:srgbClr val="2F2F2F"/>
-                </a:solidFill>
-                <a:latin typeface="Calibri"/>
-                <a:cs typeface="Calibri"/>
-              </a:rPr>
-              <a:t>"yerine </a:t>
-            </a:r>
-            <a:r>
-              <a:rPr sz="2200" spc="-25" dirty="0">
-                <a:solidFill>
-                  <a:srgbClr val="2F2F2F"/>
-                </a:solidFill>
-                <a:latin typeface="Calibri"/>
-                <a:cs typeface="Calibri"/>
-              </a:rPr>
-              <a:t>koyma </a:t>
-            </a:r>
-            <a:r>
-              <a:rPr sz="2200" spc="-10" dirty="0">
-                <a:solidFill>
-                  <a:srgbClr val="2F2F2F"/>
-                </a:solidFill>
-                <a:latin typeface="Calibri"/>
-                <a:cs typeface="Calibri"/>
-              </a:rPr>
-              <a:t>metodu" </a:t>
-            </a:r>
-            <a:r>
-              <a:rPr sz="2200" spc="-5" dirty="0">
-                <a:solidFill>
-                  <a:srgbClr val="2F2F2F"/>
-                </a:solidFill>
-                <a:latin typeface="Calibri"/>
-                <a:cs typeface="Calibri"/>
-              </a:rPr>
-              <a:t>için  </a:t>
-            </a:r>
-            <a:r>
-              <a:rPr sz="2200" spc="-10" dirty="0">
-                <a:solidFill>
-                  <a:srgbClr val="2F2F2F"/>
-                </a:solidFill>
-                <a:latin typeface="Calibri"/>
-                <a:cs typeface="Calibri"/>
-              </a:rPr>
-              <a:t>gerekli </a:t>
-            </a:r>
-            <a:r>
-              <a:rPr sz="2200" spc="-5" dirty="0">
-                <a:solidFill>
-                  <a:srgbClr val="2F2F2F"/>
-                </a:solidFill>
-                <a:latin typeface="Calibri"/>
-                <a:cs typeface="Calibri"/>
-              </a:rPr>
-              <a:t>tahminlerinde</a:t>
-            </a:r>
-            <a:r>
-              <a:rPr sz="2200" spc="5" dirty="0">
-                <a:solidFill>
-                  <a:srgbClr val="2F2F2F"/>
-                </a:solidFill>
-                <a:latin typeface="Calibri"/>
-                <a:cs typeface="Calibri"/>
-              </a:rPr>
-              <a:t> </a:t>
-            </a:r>
-            <a:r>
-              <a:rPr sz="2200" spc="-30" dirty="0">
-                <a:solidFill>
-                  <a:srgbClr val="2F2F2F"/>
-                </a:solidFill>
-                <a:latin typeface="Calibri"/>
-                <a:cs typeface="Calibri"/>
-              </a:rPr>
-              <a:t>yararlıdır.</a:t>
-            </a:r>
-            <a:endParaRPr sz="2200">
-              <a:latin typeface="Calibri"/>
-              <a:cs typeface="Calibri"/>
-            </a:endParaRPr>
-          </a:p>
-        </p:txBody>
-      </p:sp>
-      <p:sp>
-        <p:nvSpPr>
-          <p:cNvPr id="4" name="object 4"/>
-          <p:cNvSpPr/>
-          <p:nvPr/>
-        </p:nvSpPr>
-        <p:spPr>
-          <a:xfrm>
-            <a:off x="7432547" y="1412747"/>
-            <a:ext cx="1162811" cy="1190243"/>
-          </a:xfrm>
-          <a:prstGeom prst="rect">
-            <a:avLst/>
-          </a:prstGeom>
-          <a:blipFill>
-            <a:blip r:embed="rId3" cstate="print"/>
-            <a:stretch>
-              <a:fillRect/>
-            </a:stretch>
-          </a:blipFill>
-        </p:spPr>
-        <p:txBody>
-          <a:bodyPr wrap="square" lIns="0" tIns="0" rIns="0" bIns="0" rtlCol="0"/>
-          <a:lstStyle/>
-          <a:p>
-            <a:endParaRPr/>
-          </a:p>
-        </p:txBody>
-      </p:sp>
-      <p:sp>
-        <p:nvSpPr>
-          <p:cNvPr id="5" name="object 5"/>
-          <p:cNvSpPr txBox="1"/>
-          <p:nvPr/>
-        </p:nvSpPr>
-        <p:spPr>
-          <a:xfrm>
-            <a:off x="4729353" y="297941"/>
-            <a:ext cx="196215" cy="208279"/>
-          </a:xfrm>
-          <a:prstGeom prst="rect">
-            <a:avLst/>
-          </a:prstGeom>
-        </p:spPr>
-        <p:txBody>
-          <a:bodyPr vert="horz" wrap="square" lIns="0" tIns="12700" rIns="0" bIns="0" rtlCol="0">
-            <a:spAutoFit/>
-          </a:bodyPr>
-          <a:lstStyle/>
-          <a:p>
-            <a:pPr marL="12700">
-              <a:lnSpc>
-                <a:spcPct val="100000"/>
-              </a:lnSpc>
-              <a:spcBef>
-                <a:spcPts val="100"/>
-              </a:spcBef>
-            </a:pPr>
-            <a:r>
-              <a:rPr sz="1200" spc="-5" dirty="0">
-                <a:solidFill>
-                  <a:srgbClr val="FDFDFD"/>
-                </a:solidFill>
-                <a:latin typeface="Arial"/>
-                <a:cs typeface="Arial"/>
-              </a:rPr>
-              <a:t>79</a:t>
-            </a:r>
-            <a:endParaRPr sz="1200">
-              <a:latin typeface="Arial"/>
-              <a:cs typeface="Arial"/>
-            </a:endParaRPr>
-          </a:p>
-        </p:txBody>
-      </p:sp>
-    </p:spTree>
-  </p:cSld>
-  <p:clrMapOvr>
-    <a:masterClrMapping/>
-  </p:clrMapOvr>
-</p:sld>
-</file>
-
-<file path=ppt/slides/slide14.xml><?xml version="1.0" encoding="utf-8"?>
-<p:sld xmlns:a="http://schemas.openxmlformats.org/drawingml/2006/main" xmlns:r="http://schemas.openxmlformats.org/officeDocument/2006/relationships" xmlns:p="http://schemas.openxmlformats.org/presentationml/2006/main">
-  <p:cSld>
-    <p:spTree>
-      <p:nvGrpSpPr>
-        <p:cNvPr id="1" name=""/>
-        <p:cNvGrpSpPr/>
-        <p:nvPr/>
-      </p:nvGrpSpPr>
-      <p:grpSpPr>
-        <a:xfrm>
-          <a:off x="0" y="0"/>
-          <a:ext cx="0" cy="0"/>
-          <a:chOff x="0" y="0"/>
-          <a:chExt cx="0" cy="0"/>
-        </a:xfrm>
-      </p:grpSpPr>
-      <p:sp>
-        <p:nvSpPr>
-          <p:cNvPr id="2" name="object 2"/>
-          <p:cNvSpPr txBox="1">
-            <a:spLocks noGrp="1"/>
-          </p:cNvSpPr>
-          <p:nvPr>
-            <p:ph type="title"/>
-          </p:nvPr>
-        </p:nvSpPr>
-        <p:spPr>
-          <a:xfrm>
-            <a:off x="1122070" y="1110741"/>
-            <a:ext cx="5646420" cy="513715"/>
-          </a:xfrm>
-          <a:prstGeom prst="rect">
-            <a:avLst/>
-          </a:prstGeom>
-        </p:spPr>
-        <p:txBody>
-          <a:bodyPr vert="horz" wrap="square" lIns="0" tIns="13335" rIns="0" bIns="0" rtlCol="0">
-            <a:spAutoFit/>
-          </a:bodyPr>
-          <a:lstStyle/>
-          <a:p>
-            <a:pPr marL="12700">
-              <a:lnSpc>
-                <a:spcPct val="100000"/>
-              </a:lnSpc>
-              <a:spcBef>
-                <a:spcPts val="105"/>
-              </a:spcBef>
-            </a:pPr>
-            <a:r>
-              <a:rPr dirty="0"/>
-              <a:t>Sonuçlar- Insert Sort </a:t>
-            </a:r>
-            <a:r>
-              <a:rPr spc="-15" dirty="0"/>
-              <a:t>–Merge</a:t>
-            </a:r>
-            <a:r>
-              <a:rPr spc="-120" dirty="0"/>
-              <a:t> </a:t>
-            </a:r>
-            <a:r>
-              <a:rPr dirty="0"/>
-              <a:t>Sort</a:t>
-            </a:r>
-          </a:p>
-        </p:txBody>
-      </p:sp>
-      <p:sp>
-        <p:nvSpPr>
-          <p:cNvPr id="3" name="object 3"/>
-          <p:cNvSpPr txBox="1"/>
-          <p:nvPr/>
-        </p:nvSpPr>
-        <p:spPr>
-          <a:xfrm>
-            <a:off x="1141374" y="2337942"/>
-            <a:ext cx="6809105" cy="3610610"/>
-          </a:xfrm>
-          <a:prstGeom prst="rect">
-            <a:avLst/>
-          </a:prstGeom>
-        </p:spPr>
-        <p:txBody>
-          <a:bodyPr vert="horz" wrap="square" lIns="0" tIns="12700" rIns="0" bIns="0" rtlCol="0">
-            <a:spAutoFit/>
-          </a:bodyPr>
-          <a:lstStyle/>
-          <a:p>
-            <a:pPr marL="335915" marR="55880" indent="-273050">
-              <a:lnSpc>
-                <a:spcPct val="100000"/>
-              </a:lnSpc>
-              <a:spcBef>
-                <a:spcPts val="100"/>
-              </a:spcBef>
-            </a:pPr>
-            <a:r>
-              <a:rPr sz="1800" spc="-175" dirty="0">
-                <a:solidFill>
-                  <a:srgbClr val="AC0000"/>
-                </a:solidFill>
-                <a:latin typeface="Wingdings"/>
-                <a:cs typeface="Wingdings"/>
-              </a:rPr>
-              <a:t></a:t>
-            </a:r>
-            <a:r>
-              <a:rPr sz="1800" spc="-175" dirty="0">
-                <a:solidFill>
-                  <a:srgbClr val="AC0000"/>
-                </a:solidFill>
-                <a:latin typeface="Times New Roman"/>
-                <a:cs typeface="Times New Roman"/>
-              </a:rPr>
-              <a:t> </a:t>
-            </a:r>
-            <a:r>
-              <a:rPr sz="2400" spc="-5" dirty="0">
-                <a:solidFill>
-                  <a:srgbClr val="2F2F2F"/>
-                </a:solidFill>
-                <a:latin typeface="Calibri"/>
-                <a:cs typeface="Calibri"/>
-              </a:rPr>
-              <a:t>Θ(n </a:t>
-            </a:r>
-            <a:r>
-              <a:rPr sz="2400" dirty="0">
-                <a:solidFill>
-                  <a:srgbClr val="2F2F2F"/>
-                </a:solidFill>
-                <a:latin typeface="Calibri"/>
-                <a:cs typeface="Calibri"/>
-              </a:rPr>
-              <a:t>lg </a:t>
-            </a:r>
-            <a:r>
-              <a:rPr sz="2400" spc="-5" dirty="0">
-                <a:solidFill>
-                  <a:srgbClr val="2F2F2F"/>
-                </a:solidFill>
-                <a:latin typeface="Calibri"/>
-                <a:cs typeface="Calibri"/>
-              </a:rPr>
-              <a:t>n)’ nin, büyüme </a:t>
-            </a:r>
-            <a:r>
-              <a:rPr sz="2400" spc="-15" dirty="0">
-                <a:solidFill>
-                  <a:srgbClr val="2F2F2F"/>
-                </a:solidFill>
-                <a:latin typeface="Calibri"/>
-                <a:cs typeface="Calibri"/>
-              </a:rPr>
-              <a:t>oranı </a:t>
-            </a:r>
-            <a:r>
-              <a:rPr sz="2400" spc="-5" dirty="0">
-                <a:solidFill>
-                  <a:srgbClr val="2F2F2F"/>
-                </a:solidFill>
-                <a:latin typeface="Calibri"/>
-                <a:cs typeface="Calibri"/>
-              </a:rPr>
-              <a:t>Θ(n</a:t>
-            </a:r>
-            <a:r>
-              <a:rPr sz="2400" spc="-7" baseline="24305" dirty="0">
-                <a:solidFill>
-                  <a:srgbClr val="2F2F2F"/>
-                </a:solidFill>
-                <a:latin typeface="Calibri"/>
-                <a:cs typeface="Calibri"/>
-              </a:rPr>
-              <a:t>2</a:t>
-            </a:r>
-            <a:r>
-              <a:rPr sz="2400" spc="-5" dirty="0">
-                <a:solidFill>
-                  <a:srgbClr val="2F2F2F"/>
-                </a:solidFill>
-                <a:latin typeface="Calibri"/>
-                <a:cs typeface="Calibri"/>
-              </a:rPr>
-              <a:t>)'den daha </a:t>
-            </a:r>
-            <a:r>
-              <a:rPr sz="2400" spc="-20" dirty="0">
-                <a:solidFill>
-                  <a:srgbClr val="2F2F2F"/>
-                </a:solidFill>
-                <a:latin typeface="Calibri"/>
-                <a:cs typeface="Calibri"/>
-              </a:rPr>
-              <a:t>yavaştır  </a:t>
-            </a:r>
-            <a:r>
-              <a:rPr sz="2400" spc="-5" dirty="0">
-                <a:solidFill>
-                  <a:srgbClr val="2F2F2F"/>
-                </a:solidFill>
-                <a:latin typeface="Calibri"/>
-                <a:cs typeface="Calibri"/>
-              </a:rPr>
-              <a:t>(küçüktür).</a:t>
-            </a:r>
-            <a:endParaRPr sz="2400">
-              <a:latin typeface="Calibri"/>
-              <a:cs typeface="Calibri"/>
-            </a:endParaRPr>
-          </a:p>
-          <a:p>
-            <a:pPr>
-              <a:lnSpc>
-                <a:spcPct val="100000"/>
-              </a:lnSpc>
-              <a:spcBef>
-                <a:spcPts val="5"/>
-              </a:spcBef>
-            </a:pPr>
-            <a:endParaRPr sz="3300">
-              <a:latin typeface="Calibri"/>
-              <a:cs typeface="Calibri"/>
-            </a:endParaRPr>
-          </a:p>
-          <a:p>
-            <a:pPr marL="335915" marR="161290" indent="-273050">
-              <a:lnSpc>
-                <a:spcPct val="100000"/>
-              </a:lnSpc>
-            </a:pPr>
-            <a:r>
-              <a:rPr sz="1800" spc="-175" dirty="0">
-                <a:solidFill>
-                  <a:srgbClr val="AC0000"/>
-                </a:solidFill>
-                <a:latin typeface="Wingdings"/>
-                <a:cs typeface="Wingdings"/>
-              </a:rPr>
-              <a:t></a:t>
-            </a:r>
-            <a:r>
-              <a:rPr sz="1800" spc="-175" dirty="0">
-                <a:solidFill>
-                  <a:srgbClr val="AC0000"/>
-                </a:solidFill>
-                <a:latin typeface="Times New Roman"/>
-                <a:cs typeface="Times New Roman"/>
-              </a:rPr>
-              <a:t> </a:t>
-            </a:r>
-            <a:r>
-              <a:rPr sz="2400" spc="-5" dirty="0">
-                <a:solidFill>
-                  <a:srgbClr val="2F2F2F"/>
-                </a:solidFill>
-                <a:latin typeface="Calibri"/>
-                <a:cs typeface="Calibri"/>
-              </a:rPr>
-              <a:t>En </a:t>
-            </a:r>
-            <a:r>
-              <a:rPr sz="2400" spc="-25" dirty="0">
-                <a:solidFill>
-                  <a:srgbClr val="2F2F2F"/>
-                </a:solidFill>
-                <a:latin typeface="Calibri"/>
-                <a:cs typeface="Calibri"/>
-              </a:rPr>
-              <a:t>kötü </a:t>
-            </a:r>
-            <a:r>
-              <a:rPr sz="2400" spc="-5" dirty="0">
-                <a:solidFill>
-                  <a:srgbClr val="2F2F2F"/>
-                </a:solidFill>
-                <a:latin typeface="Calibri"/>
-                <a:cs typeface="Calibri"/>
-              </a:rPr>
-              <a:t>durumda, birleştirme </a:t>
-            </a:r>
-            <a:r>
-              <a:rPr sz="2400" spc="-10" dirty="0">
-                <a:solidFill>
-                  <a:srgbClr val="2F2F2F"/>
-                </a:solidFill>
-                <a:latin typeface="Calibri"/>
-                <a:cs typeface="Calibri"/>
-              </a:rPr>
-              <a:t>sıralaması asimptotik  </a:t>
-            </a:r>
-            <a:r>
-              <a:rPr sz="2400" spc="-15" dirty="0">
-                <a:solidFill>
-                  <a:srgbClr val="2F2F2F"/>
-                </a:solidFill>
-                <a:latin typeface="Calibri"/>
-                <a:cs typeface="Calibri"/>
-              </a:rPr>
-              <a:t>olarak </a:t>
-            </a:r>
-            <a:r>
-              <a:rPr sz="2400" spc="-30" dirty="0">
-                <a:solidFill>
-                  <a:srgbClr val="2F2F2F"/>
-                </a:solidFill>
-                <a:latin typeface="Calibri"/>
-                <a:cs typeface="Calibri"/>
-              </a:rPr>
-              <a:t>araya </a:t>
-            </a:r>
-            <a:r>
-              <a:rPr sz="2400" spc="-5" dirty="0">
-                <a:solidFill>
-                  <a:srgbClr val="2F2F2F"/>
-                </a:solidFill>
-                <a:latin typeface="Calibri"/>
-                <a:cs typeface="Calibri"/>
-              </a:rPr>
-              <a:t>yerleştirme sıralamasından daha</a:t>
-            </a:r>
-            <a:r>
-              <a:rPr sz="2400" spc="-20" dirty="0">
-                <a:solidFill>
-                  <a:srgbClr val="2F2F2F"/>
-                </a:solidFill>
-                <a:latin typeface="Calibri"/>
-                <a:cs typeface="Calibri"/>
-              </a:rPr>
-              <a:t> </a:t>
-            </a:r>
-            <a:r>
-              <a:rPr sz="2400" spc="-35" dirty="0">
-                <a:solidFill>
-                  <a:srgbClr val="2F2F2F"/>
-                </a:solidFill>
-                <a:latin typeface="Calibri"/>
-                <a:cs typeface="Calibri"/>
-              </a:rPr>
-              <a:t>iyidir.</a:t>
-            </a:r>
-            <a:endParaRPr sz="2400">
-              <a:latin typeface="Calibri"/>
-              <a:cs typeface="Calibri"/>
-            </a:endParaRPr>
-          </a:p>
-          <a:p>
-            <a:pPr>
-              <a:lnSpc>
-                <a:spcPct val="100000"/>
-              </a:lnSpc>
-              <a:spcBef>
-                <a:spcPts val="5"/>
-              </a:spcBef>
-            </a:pPr>
-            <a:endParaRPr sz="3300">
-              <a:latin typeface="Calibri"/>
-              <a:cs typeface="Calibri"/>
-            </a:endParaRPr>
-          </a:p>
-          <a:p>
-            <a:pPr marL="335915" marR="412115" indent="-273050">
-              <a:lnSpc>
-                <a:spcPct val="100000"/>
-              </a:lnSpc>
-            </a:pPr>
-            <a:r>
-              <a:rPr sz="1800" spc="-175" dirty="0">
-                <a:solidFill>
-                  <a:srgbClr val="AC0000"/>
-                </a:solidFill>
-                <a:latin typeface="Wingdings"/>
-                <a:cs typeface="Wingdings"/>
-              </a:rPr>
-              <a:t></a:t>
-            </a:r>
-            <a:r>
-              <a:rPr sz="1800" spc="-175" dirty="0">
-                <a:solidFill>
-                  <a:srgbClr val="AC0000"/>
-                </a:solidFill>
-                <a:latin typeface="Times New Roman"/>
-                <a:cs typeface="Times New Roman"/>
-              </a:rPr>
-              <a:t> </a:t>
-            </a:r>
-            <a:r>
-              <a:rPr sz="2400" spc="-15" dirty="0">
-                <a:solidFill>
-                  <a:srgbClr val="2F2F2F"/>
-                </a:solidFill>
-                <a:latin typeface="Calibri"/>
-                <a:cs typeface="Calibri"/>
-              </a:rPr>
-              <a:t>Pratikte, </a:t>
-            </a:r>
-            <a:r>
-              <a:rPr sz="2400" spc="-5" dirty="0">
-                <a:solidFill>
-                  <a:srgbClr val="2F2F2F"/>
-                </a:solidFill>
-                <a:latin typeface="Calibri"/>
-                <a:cs typeface="Calibri"/>
-              </a:rPr>
-              <a:t>birleştirme </a:t>
-            </a:r>
-            <a:r>
-              <a:rPr sz="2400" spc="-10" dirty="0">
-                <a:solidFill>
-                  <a:srgbClr val="2F2F2F"/>
-                </a:solidFill>
-                <a:latin typeface="Calibri"/>
-                <a:cs typeface="Calibri"/>
-              </a:rPr>
-              <a:t>sıralaması(Merge </a:t>
-            </a:r>
-            <a:r>
-              <a:rPr sz="2400" spc="-5" dirty="0">
-                <a:solidFill>
-                  <a:srgbClr val="2F2F2F"/>
-                </a:solidFill>
-                <a:latin typeface="Calibri"/>
-                <a:cs typeface="Calibri"/>
-              </a:rPr>
-              <a:t>Sort) </a:t>
-            </a:r>
-            <a:r>
-              <a:rPr sz="2400" spc="-30" dirty="0">
-                <a:solidFill>
-                  <a:srgbClr val="2F2F2F"/>
-                </a:solidFill>
-                <a:latin typeface="Calibri"/>
-                <a:cs typeface="Calibri"/>
-              </a:rPr>
-              <a:t>araya  </a:t>
-            </a:r>
-            <a:r>
-              <a:rPr sz="2400" spc="-5" dirty="0">
-                <a:solidFill>
-                  <a:srgbClr val="2F2F2F"/>
-                </a:solidFill>
-                <a:latin typeface="Calibri"/>
-                <a:cs typeface="Calibri"/>
-              </a:rPr>
-              <a:t>yerleştirme sıralamasını </a:t>
-            </a:r>
-            <a:r>
-              <a:rPr sz="2400" dirty="0">
-                <a:solidFill>
-                  <a:srgbClr val="2F2F2F"/>
-                </a:solidFill>
-                <a:latin typeface="Calibri"/>
-                <a:cs typeface="Calibri"/>
-              </a:rPr>
-              <a:t>(Insert </a:t>
-            </a:r>
-            <a:r>
-              <a:rPr sz="2400" spc="-5" dirty="0">
-                <a:solidFill>
-                  <a:srgbClr val="2F2F2F"/>
-                </a:solidFill>
-                <a:latin typeface="Calibri"/>
-                <a:cs typeface="Calibri"/>
-              </a:rPr>
-              <a:t>Sort) </a:t>
-            </a:r>
-            <a:r>
-              <a:rPr sz="2400" dirty="0">
-                <a:solidFill>
-                  <a:srgbClr val="2F2F2F"/>
-                </a:solidFill>
-                <a:latin typeface="Calibri"/>
-                <a:cs typeface="Calibri"/>
-              </a:rPr>
-              <a:t>n &gt;</a:t>
-            </a:r>
-            <a:r>
-              <a:rPr sz="2400" spc="-105" dirty="0">
-                <a:solidFill>
-                  <a:srgbClr val="2F2F2F"/>
-                </a:solidFill>
-                <a:latin typeface="Calibri"/>
-                <a:cs typeface="Calibri"/>
-              </a:rPr>
-              <a:t> </a:t>
-            </a:r>
-            <a:r>
-              <a:rPr sz="2400" dirty="0">
-                <a:solidFill>
-                  <a:srgbClr val="2F2F2F"/>
-                </a:solidFill>
-                <a:latin typeface="Calibri"/>
-                <a:cs typeface="Calibri"/>
-              </a:rPr>
-              <a:t>30</a:t>
-            </a:r>
-            <a:endParaRPr sz="2400">
-              <a:latin typeface="Calibri"/>
-              <a:cs typeface="Calibri"/>
-            </a:endParaRPr>
-          </a:p>
-          <a:p>
-            <a:pPr marL="335915">
-              <a:lnSpc>
-                <a:spcPct val="100000"/>
-              </a:lnSpc>
-            </a:pPr>
-            <a:r>
-              <a:rPr sz="2400" spc="-5" dirty="0">
-                <a:solidFill>
-                  <a:srgbClr val="2F2F2F"/>
-                </a:solidFill>
-                <a:latin typeface="Calibri"/>
-                <a:cs typeface="Calibri"/>
-              </a:rPr>
-              <a:t>değerlerinde</a:t>
-            </a:r>
-            <a:r>
-              <a:rPr sz="2400" dirty="0">
-                <a:solidFill>
-                  <a:srgbClr val="2F2F2F"/>
-                </a:solidFill>
-                <a:latin typeface="Calibri"/>
-                <a:cs typeface="Calibri"/>
-              </a:rPr>
-              <a:t> </a:t>
-            </a:r>
-            <a:r>
-              <a:rPr sz="2400" spc="-45" dirty="0">
-                <a:solidFill>
-                  <a:srgbClr val="2F2F2F"/>
-                </a:solidFill>
-                <a:latin typeface="Calibri"/>
-                <a:cs typeface="Calibri"/>
-              </a:rPr>
-              <a:t>geçer.</a:t>
-            </a:r>
-            <a:endParaRPr sz="2400">
-              <a:latin typeface="Calibri"/>
-              <a:cs typeface="Calibri"/>
-            </a:endParaRPr>
-          </a:p>
-        </p:txBody>
-      </p:sp>
-      <p:sp>
-        <p:nvSpPr>
-          <p:cNvPr id="4" name="object 4"/>
-          <p:cNvSpPr txBox="1"/>
-          <p:nvPr/>
-        </p:nvSpPr>
-        <p:spPr>
-          <a:xfrm>
-            <a:off x="4729353" y="297941"/>
-            <a:ext cx="196215" cy="208279"/>
-          </a:xfrm>
-          <a:prstGeom prst="rect">
-            <a:avLst/>
-          </a:prstGeom>
-        </p:spPr>
-        <p:txBody>
-          <a:bodyPr vert="horz" wrap="square" lIns="0" tIns="12700" rIns="0" bIns="0" rtlCol="0">
-            <a:spAutoFit/>
-          </a:bodyPr>
-          <a:lstStyle/>
-          <a:p>
-            <a:pPr marL="12700">
-              <a:lnSpc>
-                <a:spcPct val="100000"/>
-              </a:lnSpc>
-              <a:spcBef>
-                <a:spcPts val="100"/>
-              </a:spcBef>
-            </a:pPr>
-            <a:r>
-              <a:rPr sz="1200" spc="-5" dirty="0">
-                <a:solidFill>
-                  <a:srgbClr val="FDFDFD"/>
-                </a:solidFill>
-                <a:latin typeface="Arial"/>
-                <a:cs typeface="Arial"/>
-              </a:rPr>
-              <a:t>84</a:t>
             </a:r>
             <a:endParaRPr sz="1200">
               <a:latin typeface="Arial"/>
